--- a/Shared/[패스트캠퍼스] 5강의자료_김경원박사.pptx
+++ b/Shared/[패스트캠퍼스] 5강의자료_김경원박사.pptx
@@ -5,43 +5,49 @@
     <p:sldMasterId id="2147483648" r:id="rId1"/>
   </p:sldMasterIdLst>
   <p:notesMasterIdLst>
-    <p:notesMasterId r:id="rId25"/>
+    <p:notesMasterId r:id="rId31"/>
   </p:notesMasterIdLst>
   <p:handoutMasterIdLst>
-    <p:handoutMasterId r:id="rId26"/>
+    <p:handoutMasterId r:id="rId32"/>
   </p:handoutMasterIdLst>
   <p:sldIdLst>
     <p:sldId id="1063" r:id="rId2"/>
-    <p:sldId id="1103" r:id="rId3"/>
-    <p:sldId id="1142" r:id="rId4"/>
-    <p:sldId id="1110" r:id="rId5"/>
-    <p:sldId id="1154" r:id="rId6"/>
-    <p:sldId id="1159" r:id="rId7"/>
-    <p:sldId id="1160" r:id="rId8"/>
-    <p:sldId id="1161" r:id="rId9"/>
-    <p:sldId id="1162" r:id="rId10"/>
-    <p:sldId id="1166" r:id="rId11"/>
-    <p:sldId id="1163" r:id="rId12"/>
-    <p:sldId id="1164" r:id="rId13"/>
-    <p:sldId id="1165" r:id="rId14"/>
-    <p:sldId id="1170" r:id="rId15"/>
-    <p:sldId id="1172" r:id="rId16"/>
-    <p:sldId id="1173" r:id="rId17"/>
-    <p:sldId id="1174" r:id="rId18"/>
-    <p:sldId id="1175" r:id="rId19"/>
-    <p:sldId id="1176" r:id="rId20"/>
-    <p:sldId id="1178" r:id="rId21"/>
-    <p:sldId id="1179" r:id="rId22"/>
-    <p:sldId id="1185" r:id="rId23"/>
-    <p:sldId id="1062" r:id="rId24"/>
+    <p:sldId id="1142" r:id="rId3"/>
+    <p:sldId id="1103" r:id="rId4"/>
+    <p:sldId id="1158" r:id="rId5"/>
+    <p:sldId id="1186" r:id="rId6"/>
+    <p:sldId id="1187" r:id="rId7"/>
+    <p:sldId id="1188" r:id="rId8"/>
+    <p:sldId id="1189" r:id="rId9"/>
+    <p:sldId id="1135" r:id="rId10"/>
+    <p:sldId id="1190" r:id="rId11"/>
+    <p:sldId id="1191" r:id="rId12"/>
+    <p:sldId id="1110" r:id="rId13"/>
+    <p:sldId id="1154" r:id="rId14"/>
+    <p:sldId id="1159" r:id="rId15"/>
+    <p:sldId id="1192" r:id="rId16"/>
+    <p:sldId id="1160" r:id="rId17"/>
+    <p:sldId id="1161" r:id="rId18"/>
+    <p:sldId id="1162" r:id="rId19"/>
+    <p:sldId id="1166" r:id="rId20"/>
+    <p:sldId id="1163" r:id="rId21"/>
+    <p:sldId id="1164" r:id="rId22"/>
+    <p:sldId id="1165" r:id="rId23"/>
+    <p:sldId id="1170" r:id="rId24"/>
+    <p:sldId id="1172" r:id="rId25"/>
+    <p:sldId id="1173" r:id="rId26"/>
+    <p:sldId id="1174" r:id="rId27"/>
+    <p:sldId id="1175" r:id="rId28"/>
+    <p:sldId id="1176" r:id="rId29"/>
+    <p:sldId id="1062" r:id="rId30"/>
   </p:sldIdLst>
   <p:sldSz cx="12160250" cy="6840538"/>
   <p:notesSz cx="9874250" cy="6797675"/>
   <p:embeddedFontLst>
     <p:embeddedFont>
       <p:font typeface="맑은 고딕" panose="020B0503020000020004" pitchFamily="50" charset="-127"/>
-      <p:regular r:id="rId27"/>
-      <p:bold r:id="rId28"/>
+      <p:regular r:id="rId33"/>
+      <p:bold r:id="rId34"/>
     </p:embeddedFont>
   </p:embeddedFontLst>
   <p:defaultTextStyle>
@@ -254,7 +260,7 @@
           <a:p>
             <a:fld id="{FC718EE8-BF93-4A17-BED5-FC99EECA5FC7}" type="datetimeFigureOut">
               <a:rPr lang="ko-KR" altLang="en-US" smtClean="0"/>
-              <a:t>2019-03-21</a:t>
+              <a:t>2019-07-15</a:t>
             </a:fld>
             <a:endParaRPr lang="ko-KR" altLang="en-US"/>
           </a:p>
@@ -419,7 +425,7 @@
           <a:p>
             <a:fld id="{6101F873-BA02-446B-9127-C4DE4310B943}" type="datetimeFigureOut">
               <a:rPr lang="ko-KR" altLang="en-US" smtClean="0"/>
-              <a:t>2019-03-21</a:t>
+              <a:t>2019-07-15</a:t>
             </a:fld>
             <a:endParaRPr lang="ko-KR" altLang="en-US"/>
           </a:p>
@@ -751,7 +757,7 @@
           <a:p>
             <a:fld id="{C191BC67-C438-4515-9D3F-F10D40F1354A}" type="slidenum">
               <a:rPr lang="ko-KR" altLang="en-US" smtClean="0"/>
-              <a:t>3</a:t>
+              <a:t>2</a:t>
             </a:fld>
             <a:endParaRPr lang="ko-KR" altLang="en-US"/>
           </a:p>
@@ -949,7 +955,7 @@
           <a:p>
             <a:fld id="{89B5E594-86C5-4F1D-8812-38DF40064943}" type="datetime1">
               <a:rPr lang="ko-KR" altLang="en-US" smtClean="0"/>
-              <a:t>2019-03-21</a:t>
+              <a:t>2019-07-15</a:t>
             </a:fld>
             <a:endParaRPr lang="ko-KR" altLang="en-US"/>
           </a:p>
@@ -1157,7 +1163,7 @@
           <a:p>
             <a:fld id="{05C0B17C-522D-4CD8-8139-01EDEBAB2AF6}" type="datetime1">
               <a:rPr lang="ko-KR" altLang="en-US" smtClean="0"/>
-              <a:t>2019-03-21</a:t>
+              <a:t>2019-07-15</a:t>
             </a:fld>
             <a:endParaRPr lang="ko-KR" altLang="en-US"/>
           </a:p>
@@ -1335,7 +1341,7 @@
           <a:p>
             <a:fld id="{7345261C-38F3-40E7-AAA6-CE27B727AA65}" type="datetime1">
               <a:rPr lang="ko-KR" altLang="en-US" smtClean="0"/>
-              <a:t>2019-03-21</a:t>
+              <a:t>2019-07-15</a:t>
             </a:fld>
             <a:endParaRPr lang="ko-KR" altLang="en-US"/>
           </a:p>
@@ -1503,7 +1509,7 @@
           <a:p>
             <a:fld id="{A8472951-AD8C-47B8-8787-30E2F4BFA1EA}" type="datetime1">
               <a:rPr lang="ko-KR" altLang="en-US" smtClean="0"/>
-              <a:t>2019-03-21</a:t>
+              <a:t>2019-07-15</a:t>
             </a:fld>
             <a:endParaRPr lang="ko-KR" altLang="en-US"/>
           </a:p>
@@ -1758,7 +1764,7 @@
           <a:p>
             <a:fld id="{8BCB1BBF-13D1-46E6-8B8B-C9F26A0BAD91}" type="datetime1">
               <a:rPr lang="ko-KR" altLang="en-US" smtClean="0"/>
-              <a:t>2019-03-21</a:t>
+              <a:t>2019-07-15</a:t>
             </a:fld>
             <a:endParaRPr lang="ko-KR" altLang="en-US"/>
           </a:p>
@@ -2043,7 +2049,7 @@
           <a:p>
             <a:fld id="{B16FDC3D-FD6A-49DF-B101-11717D57279F}" type="datetime1">
               <a:rPr lang="ko-KR" altLang="en-US" smtClean="0"/>
-              <a:t>2019-03-21</a:t>
+              <a:t>2019-07-15</a:t>
             </a:fld>
             <a:endParaRPr lang="ko-KR" altLang="en-US"/>
           </a:p>
@@ -2462,7 +2468,7 @@
           <a:p>
             <a:fld id="{42D411A2-FD90-4A19-98A8-25197A66BC26}" type="datetime1">
               <a:rPr lang="ko-KR" altLang="en-US" smtClean="0"/>
-              <a:t>2019-03-21</a:t>
+              <a:t>2019-07-15</a:t>
             </a:fld>
             <a:endParaRPr lang="ko-KR" altLang="en-US"/>
           </a:p>
@@ -2579,7 +2585,7 @@
           <a:p>
             <a:fld id="{F6E6B532-6471-449A-9A2F-4428556C2F98}" type="datetime1">
               <a:rPr lang="ko-KR" altLang="en-US" smtClean="0"/>
-              <a:t>2019-03-21</a:t>
+              <a:t>2019-07-15</a:t>
             </a:fld>
             <a:endParaRPr lang="ko-KR" altLang="en-US"/>
           </a:p>
@@ -2674,7 +2680,7 @@
           <a:p>
             <a:fld id="{45A9E13B-856D-4562-A86D-A2B6F7BF810F}" type="datetime1">
               <a:rPr lang="ko-KR" altLang="en-US" smtClean="0"/>
-              <a:t>2019-03-21</a:t>
+              <a:t>2019-07-15</a:t>
             </a:fld>
             <a:endParaRPr lang="ko-KR" altLang="en-US"/>
           </a:p>
@@ -2949,7 +2955,7 @@
           <a:p>
             <a:fld id="{A672FB3A-7E9E-4380-9381-6FCA87FBB41A}" type="datetime1">
               <a:rPr lang="ko-KR" altLang="en-US" smtClean="0"/>
-              <a:t>2019-03-21</a:t>
+              <a:t>2019-07-15</a:t>
             </a:fld>
             <a:endParaRPr lang="ko-KR" altLang="en-US"/>
           </a:p>
@@ -3201,7 +3207,7 @@
           <a:p>
             <a:fld id="{3948CCBA-1514-4E9E-888A-807450F810B0}" type="datetime1">
               <a:rPr lang="ko-KR" altLang="en-US" smtClean="0"/>
-              <a:t>2019-03-21</a:t>
+              <a:t>2019-07-15</a:t>
             </a:fld>
             <a:endParaRPr lang="ko-KR" altLang="en-US"/>
           </a:p>
@@ -3414,7 +3420,7 @@
           <a:p>
             <a:fld id="{170EDEE7-370E-499F-B978-ABF387098974}" type="datetime1">
               <a:rPr lang="ko-KR" altLang="en-US" smtClean="0"/>
-              <a:t>2019-03-21</a:t>
+              <a:t>2019-07-15</a:t>
             </a:fld>
             <a:endParaRPr lang="ko-KR" altLang="en-US" dirty="0"/>
           </a:p>
@@ -3830,14 +3836,20 @@
       </p:grpSpPr>
       <p:sp>
         <p:nvSpPr>
-          <p:cNvPr id="4" name="TextBox 3"/>
+          <p:cNvPr id="5" name="TextBox 4">
+            <a:extLst>
+              <a:ext uri="{FF2B5EF4-FFF2-40B4-BE49-F238E27FC236}">
+                <a16:creationId xmlns:a16="http://schemas.microsoft.com/office/drawing/2014/main" id="{ABD4897A-49FE-4020-9B67-C0FCA4D1C454}"/>
+              </a:ext>
+            </a:extLst>
+          </p:cNvPr>
           <p:cNvSpPr txBox="1"/>
           <p:nvPr/>
         </p:nvSpPr>
         <p:spPr>
           <a:xfrm>
-            <a:off x="895549" y="1835358"/>
-            <a:ext cx="10131075" cy="1404523"/>
+            <a:off x="643521" y="1620069"/>
+            <a:ext cx="10873208" cy="2881851"/>
           </a:xfrm>
           <a:prstGeom prst="rect">
             <a:avLst/>
@@ -3850,162 +3862,116 @@
           </a:bodyPr>
           <a:lstStyle/>
           <a:p>
-            <a:r>
-              <a:rPr lang="en-US" altLang="ko-KR" sz="2800" dirty="0">
+            <a:pPr algn="ctr"/>
+            <a:r>
+              <a:rPr lang="en-US" altLang="ko-KR" sz="3600" dirty="0">
                 <a:latin typeface="Noto Sans CJK KR Black" pitchFamily="34" charset="-127"/>
                 <a:ea typeface="Noto Sans CJK KR Black" pitchFamily="34" charset="-127"/>
               </a:rPr>
-              <a:t>Part2&amp;3. </a:t>
-            </a:r>
-            <a:r>
-              <a:rPr lang="ko-KR" altLang="en-US" sz="2800" dirty="0">
+              <a:t>Chapter 3.</a:t>
+            </a:r>
+          </a:p>
+          <a:p>
+            <a:pPr algn="ctr"/>
+            <a:r>
+              <a:rPr lang="en-US" altLang="ko-KR" sz="3600" dirty="0">
                 <a:latin typeface="Noto Sans CJK KR Black" pitchFamily="34" charset="-127"/>
                 <a:ea typeface="Noto Sans CJK KR Black" pitchFamily="34" charset="-127"/>
               </a:rPr>
-              <a:t>시계열 예측 비교를 위한 </a:t>
-            </a:r>
-            <a:r>
-              <a:rPr lang="ko-KR" altLang="en-US" sz="2800" dirty="0" err="1">
+              <a:t> </a:t>
+            </a:r>
+          </a:p>
+          <a:p>
+            <a:pPr algn="ctr"/>
+            <a:r>
+              <a:rPr lang="ko-KR" altLang="en-US" sz="3600" dirty="0" err="1">
                 <a:latin typeface="Noto Sans CJK KR Black" pitchFamily="34" charset="-127"/>
                 <a:ea typeface="Noto Sans CJK KR Black" pitchFamily="34" charset="-127"/>
               </a:rPr>
               <a:t>머신러닝</a:t>
             </a:r>
             <a:r>
-              <a:rPr lang="ko-KR" altLang="en-US" sz="2800" dirty="0">
+              <a:rPr lang="ko-KR" altLang="en-US" sz="3600" dirty="0">
                 <a:latin typeface="Noto Sans CJK KR Black" pitchFamily="34" charset="-127"/>
                 <a:ea typeface="Noto Sans CJK KR Black" pitchFamily="34" charset="-127"/>
               </a:rPr>
-              <a:t> 활용한 예측성능 준비</a:t>
-            </a:r>
-            <a:endParaRPr lang="en-US" altLang="ko-KR" sz="2800" dirty="0">
+              <a:t> 모형 비교를 통한 </a:t>
+            </a:r>
+            <a:endParaRPr lang="en-US" altLang="ko-KR" sz="3600" dirty="0">
               <a:latin typeface="Noto Sans CJK KR Black" pitchFamily="34" charset="-127"/>
               <a:ea typeface="Noto Sans CJK KR Black" pitchFamily="34" charset="-127"/>
             </a:endParaRPr>
           </a:p>
           <a:p>
-            <a:pPr marL="685800" indent="-685800">
-              <a:buFontTx/>
-              <a:buChar char="-"/>
-            </a:pPr>
-            <a:r>
-              <a:rPr lang="en-US" altLang="ko-KR" sz="2800" dirty="0">
+            <a:pPr algn="ctr"/>
+            <a:r>
+              <a:rPr lang="ko-KR" altLang="en-US" sz="3600" dirty="0">
                 <a:latin typeface="Noto Sans CJK KR Black" pitchFamily="34" charset="-127"/>
                 <a:ea typeface="Noto Sans CJK KR Black" pitchFamily="34" charset="-127"/>
               </a:rPr>
-              <a:t>5</a:t>
-            </a:r>
-            <a:r>
-              <a:rPr lang="ko-KR" altLang="en-US" sz="2800" dirty="0" err="1">
+              <a:t>시계열 모형 이해 및 적용하기</a:t>
+            </a:r>
+            <a:endParaRPr lang="en-US" altLang="ko-KR" sz="3600" dirty="0">
+              <a:latin typeface="Noto Sans CJK KR Black" pitchFamily="34" charset="-127"/>
+              <a:ea typeface="Noto Sans CJK KR Black" pitchFamily="34" charset="-127"/>
+            </a:endParaRPr>
+          </a:p>
+          <a:p>
+            <a:pPr algn="ctr"/>
+            <a:r>
+              <a:rPr lang="en-US" altLang="ko-KR" sz="3600" dirty="0">
                 <a:latin typeface="Noto Sans CJK KR Black" pitchFamily="34" charset="-127"/>
                 <a:ea typeface="Noto Sans CJK KR Black" pitchFamily="34" charset="-127"/>
               </a:rPr>
-              <a:t>회차</a:t>
-            </a:r>
-            <a:r>
-              <a:rPr lang="en-US" altLang="ko-KR" sz="2800" dirty="0">
+              <a:t>(</a:t>
+            </a:r>
+            <a:r>
+              <a:rPr lang="ko-KR" altLang="en-US" sz="3600" dirty="0">
                 <a:latin typeface="Noto Sans CJK KR Black" pitchFamily="34" charset="-127"/>
                 <a:ea typeface="Noto Sans CJK KR Black" pitchFamily="34" charset="-127"/>
               </a:rPr>
-              <a:t>: </a:t>
-            </a:r>
-            <a:r>
-              <a:rPr lang="ko-KR" altLang="en-US" sz="2800" dirty="0" err="1">
+              <a:t>총</a:t>
+            </a:r>
+            <a:r>
+              <a:rPr lang="en-US" altLang="ko-KR" sz="3600" dirty="0">
                 <a:latin typeface="Noto Sans CJK KR Black" pitchFamily="34" charset="-127"/>
                 <a:ea typeface="Noto Sans CJK KR Black" pitchFamily="34" charset="-127"/>
               </a:rPr>
-              <a:t>머신러닝</a:t>
-            </a:r>
-            <a:r>
-              <a:rPr lang="ko-KR" altLang="en-US" sz="2800" dirty="0">
+              <a:t>4</a:t>
+            </a:r>
+            <a:r>
+              <a:rPr lang="ko-KR" altLang="en-US" sz="3600" dirty="0">
                 <a:latin typeface="Noto Sans CJK KR Black" pitchFamily="34" charset="-127"/>
                 <a:ea typeface="Noto Sans CJK KR Black" pitchFamily="34" charset="-127"/>
               </a:rPr>
-              <a:t> 방법론 이해 및 시계열 패턴 학습 실습</a:t>
-            </a:r>
-            <a:endParaRPr lang="en-US" altLang="ko-KR" sz="2800" dirty="0">
-              <a:latin typeface="Noto Sans CJK KR Black" pitchFamily="34" charset="-127"/>
-              <a:ea typeface="Noto Sans CJK KR Black" pitchFamily="34" charset="-127"/>
-            </a:endParaRPr>
-          </a:p>
-          <a:p>
-            <a:pPr marL="685800" indent="-685800">
-              <a:buFontTx/>
-              <a:buChar char="-"/>
-            </a:pPr>
-            <a:r>
-              <a:rPr lang="en-US" altLang="ko-KR" sz="2800" dirty="0">
+              <a:t>주</a:t>
+            </a:r>
+            <a:r>
+              <a:rPr lang="en-US" altLang="ko-KR" sz="3600" dirty="0">
                 <a:latin typeface="Noto Sans CJK KR Black" pitchFamily="34" charset="-127"/>
                 <a:ea typeface="Noto Sans CJK KR Black" pitchFamily="34" charset="-127"/>
               </a:rPr>
-              <a:t>6</a:t>
-            </a:r>
-            <a:r>
-              <a:rPr lang="ko-KR" altLang="en-US" sz="2800" dirty="0" err="1">
-                <a:latin typeface="Noto Sans CJK KR Black" pitchFamily="34" charset="-127"/>
-                <a:ea typeface="Noto Sans CJK KR Black" pitchFamily="34" charset="-127"/>
-              </a:rPr>
-              <a:t>회차</a:t>
-            </a:r>
-            <a:r>
-              <a:rPr lang="en-US" altLang="ko-KR" sz="2800" dirty="0">
-                <a:latin typeface="Noto Sans CJK KR Black" pitchFamily="34" charset="-127"/>
-                <a:ea typeface="Noto Sans CJK KR Black" pitchFamily="34" charset="-127"/>
-              </a:rPr>
-              <a:t>: </a:t>
-            </a:r>
-            <a:r>
-              <a:rPr lang="ko-KR" altLang="en-US" sz="2800" dirty="0">
-                <a:latin typeface="Noto Sans CJK KR Black" pitchFamily="34" charset="-127"/>
-                <a:ea typeface="Noto Sans CJK KR Black" pitchFamily="34" charset="-127"/>
-              </a:rPr>
-              <a:t>시계열 모델링 접근방법 이해 및 </a:t>
-            </a:r>
-            <a:r>
-              <a:rPr lang="en-US" altLang="ko-KR" sz="2800" dirty="0">
-                <a:latin typeface="Noto Sans CJK KR Black" pitchFamily="34" charset="-127"/>
-                <a:ea typeface="Noto Sans CJK KR Black" pitchFamily="34" charset="-127"/>
-              </a:rPr>
-              <a:t>“</a:t>
-            </a:r>
-            <a:r>
-              <a:rPr lang="ko-KR" altLang="en-US" sz="2800" dirty="0">
-                <a:latin typeface="Noto Sans CJK KR Black" pitchFamily="34" charset="-127"/>
-                <a:ea typeface="Noto Sans CJK KR Black" pitchFamily="34" charset="-127"/>
-              </a:rPr>
-              <a:t>시계열분석초안</a:t>
-            </a:r>
-            <a:r>
-              <a:rPr lang="en-US" altLang="ko-KR" sz="2800" dirty="0">
-                <a:latin typeface="Noto Sans CJK KR Black" pitchFamily="34" charset="-127"/>
-                <a:ea typeface="Noto Sans CJK KR Black" pitchFamily="34" charset="-127"/>
-              </a:rPr>
-              <a:t>”</a:t>
-            </a:r>
-            <a:r>
-              <a:rPr lang="ko-KR" altLang="en-US" sz="2800" dirty="0">
-                <a:latin typeface="Noto Sans CJK KR Black" pitchFamily="34" charset="-127"/>
-                <a:ea typeface="Noto Sans CJK KR Black" pitchFamily="34" charset="-127"/>
-              </a:rPr>
-              <a:t> 완성</a:t>
-            </a:r>
-            <a:endParaRPr lang="en-US" altLang="ko-KR" sz="2800" dirty="0">
-              <a:latin typeface="Noto Sans CJK KR Black" pitchFamily="34" charset="-127"/>
-              <a:ea typeface="Noto Sans CJK KR Black" pitchFamily="34" charset="-127"/>
-            </a:endParaRPr>
-          </a:p>
-        </p:txBody>
-      </p:sp>
-      <p:sp>
-        <p:nvSpPr>
-          <p:cNvPr id="7" name="TextBox 6"/>
+              <a:t>)</a:t>
+            </a:r>
+          </a:p>
+        </p:txBody>
+      </p:sp>
+      <p:sp>
+        <p:nvSpPr>
+          <p:cNvPr id="6" name="TextBox 5">
+            <a:extLst>
+              <a:ext uri="{FF2B5EF4-FFF2-40B4-BE49-F238E27FC236}">
+                <a16:creationId xmlns:a16="http://schemas.microsoft.com/office/drawing/2014/main" id="{651790B3-4D5C-493A-ACA3-D324A6884F23}"/>
+              </a:ext>
+            </a:extLst>
+          </p:cNvPr>
           <p:cNvSpPr txBox="1"/>
           <p:nvPr/>
         </p:nvSpPr>
         <p:spPr>
           <a:xfrm>
-            <a:off x="1047949" y="4081911"/>
-            <a:ext cx="10131075" cy="850526"/>
+            <a:off x="1047949" y="4883291"/>
+            <a:ext cx="10131075" cy="481194"/>
           </a:xfrm>
           <a:prstGeom prst="rect">
             <a:avLst/>
@@ -4017,16 +3983,6 @@
             <a:spAutoFit/>
           </a:bodyPr>
           <a:lstStyle/>
-          <a:p>
-            <a:pPr algn="r"/>
-            <a:r>
-              <a:rPr lang="en-US" altLang="ko-KR" sz="2400" dirty="0">
-                <a:latin typeface="Noto Sans CJK KR Medium" pitchFamily="34" charset="-127"/>
-                <a:ea typeface="Noto Sans CJK KR Medium" pitchFamily="34" charset="-127"/>
-              </a:rPr>
-              <a:t>2019.03.23.</a:t>
-            </a:r>
-          </a:p>
           <a:p>
             <a:pPr algn="r"/>
             <a:r>
@@ -4088,7 +4044,7 @@
         </p:nvSpPr>
         <p:spPr>
           <a:xfrm>
-            <a:off x="608016" y="551987"/>
+            <a:off x="608012" y="539949"/>
             <a:ext cx="10944225" cy="1140090"/>
           </a:xfrm>
         </p:spPr>
@@ -4110,7 +4066,7 @@
                 <a:latin typeface="Noto Sans CJK KR Black" pitchFamily="34" charset="-127"/>
                 <a:ea typeface="Noto Sans CJK KR Black" pitchFamily="34" charset="-127"/>
               </a:rPr>
-              <a:t>1. </a:t>
+              <a:t>4. </a:t>
             </a:r>
             <a:r>
               <a:rPr lang="ko-KR" altLang="en-US" sz="4400" dirty="0">
@@ -4123,7 +4079,7 @@
                 <a:latin typeface="Noto Sans CJK KR Black" pitchFamily="34" charset="-127"/>
                 <a:ea typeface="Noto Sans CJK KR Black" pitchFamily="34" charset="-127"/>
               </a:rPr>
-              <a:t>기계학습 알고리즘</a:t>
+              <a:t>시계열 분석</a:t>
             </a:r>
             <a:endParaRPr lang="ko-KR" altLang="en-US" sz="4400" dirty="0">
               <a:solidFill>
@@ -4165,7 +4121,7 @@
           <p:cNvPr id="2" name="그림 1">
             <a:extLst>
               <a:ext uri="{FF2B5EF4-FFF2-40B4-BE49-F238E27FC236}">
-                <a16:creationId xmlns:a16="http://schemas.microsoft.com/office/drawing/2014/main" id="{0A201080-61C0-4055-AFB9-4FF0690834AF}"/>
+                <a16:creationId xmlns:a16="http://schemas.microsoft.com/office/drawing/2014/main" id="{50FA562C-261B-4CEA-9591-2F5B18EBC9A1}"/>
               </a:ext>
             </a:extLst>
           </p:cNvPr>
@@ -4182,8 +4138,8 @@
         </p:blipFill>
         <p:spPr>
           <a:xfrm>
-            <a:off x="1851025" y="1943473"/>
-            <a:ext cx="8458200" cy="4429125"/>
+            <a:off x="1808161" y="2052117"/>
+            <a:ext cx="8543925" cy="3552825"/>
           </a:xfrm>
           <a:prstGeom prst="rect">
             <a:avLst/>
@@ -4193,7 +4149,7 @@
     </p:spTree>
     <p:extLst>
       <p:ext uri="{BB962C8B-B14F-4D97-AF65-F5344CB8AC3E}">
-        <p14:creationId xmlns:p14="http://schemas.microsoft.com/office/powerpoint/2010/main" val="3825927226"/>
+        <p14:creationId xmlns:p14="http://schemas.microsoft.com/office/powerpoint/2010/main" val="1714954972"/>
       </p:ext>
     </p:extLst>
   </p:cSld>
@@ -4232,13 +4188,13 @@
         </p:nvSpPr>
         <p:spPr>
           <a:xfrm>
-            <a:off x="608016" y="551987"/>
+            <a:off x="608012" y="539949"/>
             <a:ext cx="10944225" cy="1140090"/>
           </a:xfrm>
         </p:spPr>
         <p:txBody>
           <a:bodyPr>
-            <a:normAutofit/>
+            <a:normAutofit fontScale="90000"/>
           </a:bodyPr>
           <a:lstStyle/>
           <a:p>
@@ -4254,7 +4210,7 @@
                 <a:latin typeface="Noto Sans CJK KR Black" pitchFamily="34" charset="-127"/>
                 <a:ea typeface="Noto Sans CJK KR Black" pitchFamily="34" charset="-127"/>
               </a:rPr>
-              <a:t>1. </a:t>
+              <a:t>4. </a:t>
             </a:r>
             <a:r>
               <a:rPr lang="ko-KR" altLang="en-US" sz="4400" dirty="0">
@@ -4267,7 +4223,32 @@
                 <a:latin typeface="Noto Sans CJK KR Black" pitchFamily="34" charset="-127"/>
                 <a:ea typeface="Noto Sans CJK KR Black" pitchFamily="34" charset="-127"/>
               </a:rPr>
-              <a:t>기계학습 알고리즘</a:t>
+              <a:t>시계열 </a:t>
+            </a:r>
+            <a:br>
+              <a:rPr lang="en-US" altLang="ko-KR" sz="4400" dirty="0">
+                <a:solidFill>
+                  <a:schemeClr val="tx1">
+                    <a:lumMod val="75000"/>
+                    <a:lumOff val="25000"/>
+                  </a:schemeClr>
+                </a:solidFill>
+                <a:latin typeface="Noto Sans CJK KR Black" pitchFamily="34" charset="-127"/>
+                <a:ea typeface="Noto Sans CJK KR Black" pitchFamily="34" charset="-127"/>
+              </a:rPr>
+            </a:br>
+            <a:r>
+              <a:rPr lang="ko-KR" altLang="en-US" sz="4400" dirty="0">
+                <a:solidFill>
+                  <a:schemeClr val="tx1">
+                    <a:lumMod val="75000"/>
+                    <a:lumOff val="25000"/>
+                  </a:schemeClr>
+                </a:solidFill>
+                <a:latin typeface="Noto Sans CJK KR Black" pitchFamily="34" charset="-127"/>
+                <a:ea typeface="Noto Sans CJK KR Black" pitchFamily="34" charset="-127"/>
+              </a:rPr>
+              <a:t>분석</a:t>
             </a:r>
             <a:endParaRPr lang="ko-KR" altLang="en-US" sz="4400" dirty="0">
               <a:solidFill>
@@ -4306,10 +4287,10 @@
       </p:sp>
       <p:pic>
         <p:nvPicPr>
-          <p:cNvPr id="4" name="그림 3">
+          <p:cNvPr id="2" name="그림 1">
             <a:extLst>
               <a:ext uri="{FF2B5EF4-FFF2-40B4-BE49-F238E27FC236}">
-                <a16:creationId xmlns:a16="http://schemas.microsoft.com/office/drawing/2014/main" id="{9B971A19-C12F-4C23-B3D9-E6C211D2D26E}"/>
+                <a16:creationId xmlns:a16="http://schemas.microsoft.com/office/drawing/2014/main" id="{BE4B0393-FF8C-4929-9BDD-34910B57276A}"/>
               </a:ext>
             </a:extLst>
           </p:cNvPr>
@@ -4326,8 +4307,8 @@
         </p:blipFill>
         <p:spPr>
           <a:xfrm>
-            <a:off x="1874837" y="2024919"/>
-            <a:ext cx="8410575" cy="4352925"/>
+            <a:off x="3795462" y="0"/>
+            <a:ext cx="8364788" cy="6840538"/>
           </a:xfrm>
           <a:prstGeom prst="rect">
             <a:avLst/>
@@ -4337,7 +4318,7 @@
     </p:spTree>
     <p:extLst>
       <p:ext uri="{BB962C8B-B14F-4D97-AF65-F5344CB8AC3E}">
-        <p14:creationId xmlns:p14="http://schemas.microsoft.com/office/powerpoint/2010/main" val="2133787294"/>
+        <p14:creationId xmlns:p14="http://schemas.microsoft.com/office/powerpoint/2010/main" val="2759822297"/>
       </p:ext>
     </p:extLst>
   </p:cSld>
@@ -4382,7 +4363,7 @@
         </p:spPr>
         <p:txBody>
           <a:bodyPr>
-            <a:normAutofit fontScale="90000"/>
+            <a:normAutofit/>
           </a:bodyPr>
           <a:lstStyle/>
           <a:p>
@@ -4411,32 +4392,7 @@
                 <a:latin typeface="Noto Sans CJK KR Black" pitchFamily="34" charset="-127"/>
                 <a:ea typeface="Noto Sans CJK KR Black" pitchFamily="34" charset="-127"/>
               </a:rPr>
-              <a:t>기계학습</a:t>
-            </a:r>
-            <a:br>
-              <a:rPr lang="en-US" altLang="ko-KR" sz="4400" dirty="0">
-                <a:solidFill>
-                  <a:schemeClr val="tx1">
-                    <a:lumMod val="75000"/>
-                    <a:lumOff val="25000"/>
-                  </a:schemeClr>
-                </a:solidFill>
-                <a:latin typeface="Noto Sans CJK KR Black" pitchFamily="34" charset="-127"/>
-                <a:ea typeface="Noto Sans CJK KR Black" pitchFamily="34" charset="-127"/>
-              </a:rPr>
-            </a:br>
-            <a:r>
-              <a:rPr lang="ko-KR" altLang="en-US" sz="4400" dirty="0">
-                <a:solidFill>
-                  <a:schemeClr val="tx1">
-                    <a:lumMod val="75000"/>
-                    <a:lumOff val="25000"/>
-                  </a:schemeClr>
-                </a:solidFill>
-                <a:latin typeface="Noto Sans CJK KR Black" pitchFamily="34" charset="-127"/>
-                <a:ea typeface="Noto Sans CJK KR Black" pitchFamily="34" charset="-127"/>
-              </a:rPr>
-              <a:t> 알고리즘</a:t>
+              <a:t>기계학습 알고리즘</a:t>
             </a:r>
             <a:endParaRPr lang="ko-KR" altLang="en-US" sz="4400" dirty="0">
               <a:solidFill>
@@ -4475,10 +4431,10 @@
       </p:sp>
       <p:pic>
         <p:nvPicPr>
-          <p:cNvPr id="2" name="그림 1">
+          <p:cNvPr id="4" name="그림 3">
             <a:extLst>
               <a:ext uri="{FF2B5EF4-FFF2-40B4-BE49-F238E27FC236}">
-                <a16:creationId xmlns:a16="http://schemas.microsoft.com/office/drawing/2014/main" id="{A4143997-BD5B-467F-9C94-93A6F2673CB4}"/>
+                <a16:creationId xmlns:a16="http://schemas.microsoft.com/office/drawing/2014/main" id="{09249471-4BC7-4876-95C7-AFB6CCF0382C}"/>
               </a:ext>
             </a:extLst>
           </p:cNvPr>
@@ -4495,8 +4451,8 @@
         </p:blipFill>
         <p:spPr>
           <a:xfrm>
-            <a:off x="3750102" y="0"/>
-            <a:ext cx="8256779" cy="6840538"/>
+            <a:off x="1746250" y="1666990"/>
+            <a:ext cx="8667750" cy="5000625"/>
           </a:xfrm>
           <a:prstGeom prst="rect">
             <a:avLst/>
@@ -4506,7 +4462,7 @@
     </p:spTree>
     <p:extLst>
       <p:ext uri="{BB962C8B-B14F-4D97-AF65-F5344CB8AC3E}">
-        <p14:creationId xmlns:p14="http://schemas.microsoft.com/office/powerpoint/2010/main" val="945379000"/>
+        <p14:creationId xmlns:p14="http://schemas.microsoft.com/office/powerpoint/2010/main" val="203672146"/>
       </p:ext>
     </p:extLst>
   </p:cSld>
@@ -4551,7 +4507,7 @@
         </p:spPr>
         <p:txBody>
           <a:bodyPr>
-            <a:normAutofit/>
+            <a:normAutofit fontScale="90000"/>
           </a:bodyPr>
           <a:lstStyle/>
           <a:p>
@@ -4580,7 +4536,32 @@
                 <a:latin typeface="Noto Sans CJK KR Black" pitchFamily="34" charset="-127"/>
                 <a:ea typeface="Noto Sans CJK KR Black" pitchFamily="34" charset="-127"/>
               </a:rPr>
-              <a:t>기계학습 알고리즘</a:t>
+              <a:t>기계학습 </a:t>
+            </a:r>
+            <a:br>
+              <a:rPr lang="en-US" altLang="ko-KR" sz="4400" dirty="0">
+                <a:solidFill>
+                  <a:schemeClr val="tx1">
+                    <a:lumMod val="75000"/>
+                    <a:lumOff val="25000"/>
+                  </a:schemeClr>
+                </a:solidFill>
+                <a:latin typeface="Noto Sans CJK KR Black" pitchFamily="34" charset="-127"/>
+                <a:ea typeface="Noto Sans CJK KR Black" pitchFamily="34" charset="-127"/>
+              </a:rPr>
+            </a:br>
+            <a:r>
+              <a:rPr lang="ko-KR" altLang="en-US" sz="4400" dirty="0">
+                <a:solidFill>
+                  <a:schemeClr val="tx1">
+                    <a:lumMod val="75000"/>
+                    <a:lumOff val="25000"/>
+                  </a:schemeClr>
+                </a:solidFill>
+                <a:latin typeface="Noto Sans CJK KR Black" pitchFamily="34" charset="-127"/>
+                <a:ea typeface="Noto Sans CJK KR Black" pitchFamily="34" charset="-127"/>
+              </a:rPr>
+              <a:t>알고리즘</a:t>
             </a:r>
             <a:endParaRPr lang="ko-KR" altLang="en-US" sz="4400" dirty="0">
               <a:solidFill>
@@ -4622,7 +4603,7 @@
           <p:cNvPr id="2" name="그림 1">
             <a:extLst>
               <a:ext uri="{FF2B5EF4-FFF2-40B4-BE49-F238E27FC236}">
-                <a16:creationId xmlns:a16="http://schemas.microsoft.com/office/drawing/2014/main" id="{EE4031B8-D31C-4DD6-8A8A-855EE98771BE}"/>
+                <a16:creationId xmlns:a16="http://schemas.microsoft.com/office/drawing/2014/main" id="{E4D3435D-FD4B-48CE-9553-303962CF0C4E}"/>
               </a:ext>
             </a:extLst>
           </p:cNvPr>
@@ -4639,8 +4620,8 @@
         </p:blipFill>
         <p:spPr>
           <a:xfrm>
-            <a:off x="2513012" y="1589175"/>
-            <a:ext cx="7134225" cy="4886325"/>
+            <a:off x="4063901" y="484894"/>
+            <a:ext cx="7572375" cy="5895975"/>
           </a:xfrm>
           <a:prstGeom prst="rect">
             <a:avLst/>
@@ -4650,7 +4631,7 @@
     </p:spTree>
     <p:extLst>
       <p:ext uri="{BB962C8B-B14F-4D97-AF65-F5344CB8AC3E}">
-        <p14:creationId xmlns:p14="http://schemas.microsoft.com/office/powerpoint/2010/main" val="446366101"/>
+        <p14:creationId xmlns:p14="http://schemas.microsoft.com/office/powerpoint/2010/main" val="2693577044"/>
       </p:ext>
     </p:extLst>
   </p:cSld>
@@ -4695,7 +4676,7 @@
         </p:spPr>
         <p:txBody>
           <a:bodyPr>
-            <a:normAutofit/>
+            <a:normAutofit fontScale="90000"/>
           </a:bodyPr>
           <a:lstStyle/>
           <a:p>
@@ -4724,7 +4705,32 @@
                 <a:latin typeface="Noto Sans CJK KR Black" pitchFamily="34" charset="-127"/>
                 <a:ea typeface="Noto Sans CJK KR Black" pitchFamily="34" charset="-127"/>
               </a:rPr>
-              <a:t>기계학습 알고리즘</a:t>
+              <a:t>기계학습 </a:t>
+            </a:r>
+            <a:br>
+              <a:rPr lang="en-US" altLang="ko-KR" sz="4400" dirty="0">
+                <a:solidFill>
+                  <a:schemeClr val="tx1">
+                    <a:lumMod val="75000"/>
+                    <a:lumOff val="25000"/>
+                  </a:schemeClr>
+                </a:solidFill>
+                <a:latin typeface="Noto Sans CJK KR Black" pitchFamily="34" charset="-127"/>
+                <a:ea typeface="Noto Sans CJK KR Black" pitchFamily="34" charset="-127"/>
+              </a:rPr>
+            </a:br>
+            <a:r>
+              <a:rPr lang="ko-KR" altLang="en-US" sz="4400" dirty="0">
+                <a:solidFill>
+                  <a:schemeClr val="tx1">
+                    <a:lumMod val="75000"/>
+                    <a:lumOff val="25000"/>
+                  </a:schemeClr>
+                </a:solidFill>
+                <a:latin typeface="Noto Sans CJK KR Black" pitchFamily="34" charset="-127"/>
+                <a:ea typeface="Noto Sans CJK KR Black" pitchFamily="34" charset="-127"/>
+              </a:rPr>
+              <a:t>알고리즘</a:t>
             </a:r>
             <a:endParaRPr lang="ko-KR" altLang="en-US" sz="4400" dirty="0">
               <a:solidFill>
@@ -4763,10 +4769,10 @@
       </p:sp>
       <p:pic>
         <p:nvPicPr>
-          <p:cNvPr id="4" name="그림 3">
+          <p:cNvPr id="2" name="그림 1">
             <a:extLst>
               <a:ext uri="{FF2B5EF4-FFF2-40B4-BE49-F238E27FC236}">
-                <a16:creationId xmlns:a16="http://schemas.microsoft.com/office/drawing/2014/main" id="{E960642D-16AA-42EE-9E10-D3EDD102A8E6}"/>
+                <a16:creationId xmlns:a16="http://schemas.microsoft.com/office/drawing/2014/main" id="{8EEB68CE-E61E-417C-A750-AFCFFEE46BD2}"/>
               </a:ext>
             </a:extLst>
           </p:cNvPr>
@@ -4783,38 +4789,8 @@
         </p:blipFill>
         <p:spPr>
           <a:xfrm>
-            <a:off x="587783" y="1705348"/>
-            <a:ext cx="6810375" cy="4667250"/>
-          </a:xfrm>
-          <a:prstGeom prst="rect">
-            <a:avLst/>
-          </a:prstGeom>
-        </p:spPr>
-      </p:pic>
-      <p:pic>
-        <p:nvPicPr>
-          <p:cNvPr id="6" name="그림 5">
-            <a:extLst>
-              <a:ext uri="{FF2B5EF4-FFF2-40B4-BE49-F238E27FC236}">
-                <a16:creationId xmlns:a16="http://schemas.microsoft.com/office/drawing/2014/main" id="{518C9C44-EC8E-47A3-861A-2D657280D31F}"/>
-              </a:ext>
-            </a:extLst>
-          </p:cNvPr>
-          <p:cNvPicPr>
-            <a:picLocks noChangeAspect="1"/>
-          </p:cNvPicPr>
-          <p:nvPr/>
-        </p:nvPicPr>
-        <p:blipFill>
-          <a:blip r:embed="rId3"/>
-          <a:stretch>
-            <a:fillRect/>
-          </a:stretch>
-        </p:blipFill>
-        <p:spPr>
-          <a:xfrm>
-            <a:off x="7398158" y="2804469"/>
-            <a:ext cx="3790950" cy="3581400"/>
+            <a:off x="4135909" y="267494"/>
+            <a:ext cx="6886575" cy="6305550"/>
           </a:xfrm>
           <a:prstGeom prst="rect">
             <a:avLst/>
@@ -4824,7 +4800,7 @@
     </p:spTree>
     <p:extLst>
       <p:ext uri="{BB962C8B-B14F-4D97-AF65-F5344CB8AC3E}">
-        <p14:creationId xmlns:p14="http://schemas.microsoft.com/office/powerpoint/2010/main" val="343394198"/>
+        <p14:creationId xmlns:p14="http://schemas.microsoft.com/office/powerpoint/2010/main" val="936272146"/>
       </p:ext>
     </p:extLst>
   </p:cSld>
@@ -4869,7 +4845,7 @@
         </p:spPr>
         <p:txBody>
           <a:bodyPr>
-            <a:normAutofit/>
+            <a:normAutofit fontScale="90000"/>
           </a:bodyPr>
           <a:lstStyle/>
           <a:p>
@@ -4898,7 +4874,32 @@
                 <a:latin typeface="Noto Sans CJK KR Black" pitchFamily="34" charset="-127"/>
                 <a:ea typeface="Noto Sans CJK KR Black" pitchFamily="34" charset="-127"/>
               </a:rPr>
-              <a:t>기계학습 알고리즘</a:t>
+              <a:t>기계학습 </a:t>
+            </a:r>
+            <a:br>
+              <a:rPr lang="en-US" altLang="ko-KR" sz="4400" dirty="0">
+                <a:solidFill>
+                  <a:schemeClr val="tx1">
+                    <a:lumMod val="75000"/>
+                    <a:lumOff val="25000"/>
+                  </a:schemeClr>
+                </a:solidFill>
+                <a:latin typeface="Noto Sans CJK KR Black" pitchFamily="34" charset="-127"/>
+                <a:ea typeface="Noto Sans CJK KR Black" pitchFamily="34" charset="-127"/>
+              </a:rPr>
+            </a:br>
+            <a:r>
+              <a:rPr lang="ko-KR" altLang="en-US" sz="4400" dirty="0">
+                <a:solidFill>
+                  <a:schemeClr val="tx1">
+                    <a:lumMod val="75000"/>
+                    <a:lumOff val="25000"/>
+                  </a:schemeClr>
+                </a:solidFill>
+                <a:latin typeface="Noto Sans CJK KR Black" pitchFamily="34" charset="-127"/>
+                <a:ea typeface="Noto Sans CJK KR Black" pitchFamily="34" charset="-127"/>
+              </a:rPr>
+              <a:t>알고리즘</a:t>
             </a:r>
             <a:endParaRPr lang="ko-KR" altLang="en-US" sz="4400" dirty="0">
               <a:solidFill>
@@ -4937,10 +4938,10 @@
       </p:sp>
       <p:pic>
         <p:nvPicPr>
-          <p:cNvPr id="2" name="그림 1">
+          <p:cNvPr id="4" name="그림 3">
             <a:extLst>
               <a:ext uri="{FF2B5EF4-FFF2-40B4-BE49-F238E27FC236}">
-                <a16:creationId xmlns:a16="http://schemas.microsoft.com/office/drawing/2014/main" id="{C3BB5FF0-807B-4573-A1D8-52B1ABAF4BD0}"/>
+                <a16:creationId xmlns:a16="http://schemas.microsoft.com/office/drawing/2014/main" id="{6895CB8E-8C14-4E0D-AD86-D155C7214376}"/>
               </a:ext>
             </a:extLst>
           </p:cNvPr>
@@ -4957,8 +4958,8 @@
         </p:blipFill>
         <p:spPr>
           <a:xfrm>
-            <a:off x="2370137" y="1903500"/>
-            <a:ext cx="7419975" cy="4257675"/>
+            <a:off x="3114302" y="1287349"/>
+            <a:ext cx="8905875" cy="5505450"/>
           </a:xfrm>
           <a:prstGeom prst="rect">
             <a:avLst/>
@@ -4968,7 +4969,7 @@
     </p:spTree>
     <p:extLst>
       <p:ext uri="{BB962C8B-B14F-4D97-AF65-F5344CB8AC3E}">
-        <p14:creationId xmlns:p14="http://schemas.microsoft.com/office/powerpoint/2010/main" val="1798927978"/>
+        <p14:creationId xmlns:p14="http://schemas.microsoft.com/office/powerpoint/2010/main" val="1653717065"/>
       </p:ext>
     </p:extLst>
   </p:cSld>
@@ -5042,7 +5043,7 @@
                 <a:latin typeface="Noto Sans CJK KR Black" pitchFamily="34" charset="-127"/>
                 <a:ea typeface="Noto Sans CJK KR Black" pitchFamily="34" charset="-127"/>
               </a:rPr>
-              <a:t>기계학습</a:t>
+              <a:t>기계학습 </a:t>
             </a:r>
             <a:br>
               <a:rPr lang="en-US" altLang="ko-KR" sz="4400" dirty="0">
@@ -5109,7 +5110,7 @@
           <p:cNvPr id="2" name="그림 1">
             <a:extLst>
               <a:ext uri="{FF2B5EF4-FFF2-40B4-BE49-F238E27FC236}">
-                <a16:creationId xmlns:a16="http://schemas.microsoft.com/office/drawing/2014/main" id="{93638417-DF39-447E-B5BC-0D9EB8FDBA3E}"/>
+                <a16:creationId xmlns:a16="http://schemas.microsoft.com/office/drawing/2014/main" id="{43A7046E-2CAF-4605-8467-A2A9B26B85CD}"/>
               </a:ext>
             </a:extLst>
           </p:cNvPr>
@@ -5126,8 +5127,8 @@
         </p:blipFill>
         <p:spPr>
           <a:xfrm>
-            <a:off x="3459271" y="221693"/>
-            <a:ext cx="8105775" cy="6515100"/>
+            <a:off x="3139821" y="1302112"/>
+            <a:ext cx="8858250" cy="5467350"/>
           </a:xfrm>
           <a:prstGeom prst="rect">
             <a:avLst/>
@@ -5137,7 +5138,7 @@
     </p:spTree>
     <p:extLst>
       <p:ext uri="{BB962C8B-B14F-4D97-AF65-F5344CB8AC3E}">
-        <p14:creationId xmlns:p14="http://schemas.microsoft.com/office/powerpoint/2010/main" val="3981340834"/>
+        <p14:creationId xmlns:p14="http://schemas.microsoft.com/office/powerpoint/2010/main" val="832087844"/>
       </p:ext>
     </p:extLst>
   </p:cSld>
@@ -5182,7 +5183,7 @@
         </p:spPr>
         <p:txBody>
           <a:bodyPr>
-            <a:normAutofit fontScale="90000"/>
+            <a:normAutofit/>
           </a:bodyPr>
           <a:lstStyle/>
           <a:p>
@@ -5211,32 +5212,7 @@
                 <a:latin typeface="Noto Sans CJK KR Black" pitchFamily="34" charset="-127"/>
                 <a:ea typeface="Noto Sans CJK KR Black" pitchFamily="34" charset="-127"/>
               </a:rPr>
-              <a:t>기계학습 </a:t>
-            </a:r>
-            <a:br>
-              <a:rPr lang="en-US" altLang="ko-KR" sz="4400" dirty="0">
-                <a:solidFill>
-                  <a:schemeClr val="tx1">
-                    <a:lumMod val="75000"/>
-                    <a:lumOff val="25000"/>
-                  </a:schemeClr>
-                </a:solidFill>
-                <a:latin typeface="Noto Sans CJK KR Black" pitchFamily="34" charset="-127"/>
-                <a:ea typeface="Noto Sans CJK KR Black" pitchFamily="34" charset="-127"/>
-              </a:rPr>
-            </a:br>
-            <a:r>
-              <a:rPr lang="ko-KR" altLang="en-US" sz="4400" dirty="0">
-                <a:solidFill>
-                  <a:schemeClr val="tx1">
-                    <a:lumMod val="75000"/>
-                    <a:lumOff val="25000"/>
-                  </a:schemeClr>
-                </a:solidFill>
-                <a:latin typeface="Noto Sans CJK KR Black" pitchFamily="34" charset="-127"/>
-                <a:ea typeface="Noto Sans CJK KR Black" pitchFamily="34" charset="-127"/>
-              </a:rPr>
-              <a:t>알고리즘</a:t>
+              <a:t>기계학습 알고리즘</a:t>
             </a:r>
             <a:endParaRPr lang="ko-KR" altLang="en-US" sz="4400" dirty="0">
               <a:solidFill>
@@ -5278,7 +5254,7 @@
           <p:cNvPr id="2" name="그림 1">
             <a:extLst>
               <a:ext uri="{FF2B5EF4-FFF2-40B4-BE49-F238E27FC236}">
-                <a16:creationId xmlns:a16="http://schemas.microsoft.com/office/drawing/2014/main" id="{D6106B40-A656-4BEA-913E-6180A711DBD7}"/>
+                <a16:creationId xmlns:a16="http://schemas.microsoft.com/office/drawing/2014/main" id="{8251BBF9-A868-4E1A-9B63-92D10B6B8018}"/>
               </a:ext>
             </a:extLst>
           </p:cNvPr>
@@ -5295,8 +5271,8 @@
         </p:blipFill>
         <p:spPr>
           <a:xfrm>
-            <a:off x="5024702" y="0"/>
-            <a:ext cx="6492842" cy="6840538"/>
+            <a:off x="2751137" y="1670014"/>
+            <a:ext cx="6657975" cy="5010150"/>
           </a:xfrm>
           <a:prstGeom prst="rect">
             <a:avLst/>
@@ -5306,7 +5282,7 @@
     </p:spTree>
     <p:extLst>
       <p:ext uri="{BB962C8B-B14F-4D97-AF65-F5344CB8AC3E}">
-        <p14:creationId xmlns:p14="http://schemas.microsoft.com/office/powerpoint/2010/main" val="4201038256"/>
+        <p14:creationId xmlns:p14="http://schemas.microsoft.com/office/powerpoint/2010/main" val="2183607618"/>
       </p:ext>
     </p:extLst>
   </p:cSld>
@@ -5422,7 +5398,7 @@
           <p:cNvPr id="2" name="그림 1">
             <a:extLst>
               <a:ext uri="{FF2B5EF4-FFF2-40B4-BE49-F238E27FC236}">
-                <a16:creationId xmlns:a16="http://schemas.microsoft.com/office/drawing/2014/main" id="{FA8CCA30-C87E-4848-A034-396AA29BA454}"/>
+                <a16:creationId xmlns:a16="http://schemas.microsoft.com/office/drawing/2014/main" id="{84E0E80A-1404-4117-9400-9B26A81DFF85}"/>
               </a:ext>
             </a:extLst>
           </p:cNvPr>
@@ -5439,8 +5415,8 @@
         </p:blipFill>
         <p:spPr>
           <a:xfrm>
-            <a:off x="2451100" y="1703372"/>
-            <a:ext cx="7258050" cy="4695825"/>
+            <a:off x="2341562" y="1851112"/>
+            <a:ext cx="7477125" cy="4362450"/>
           </a:xfrm>
           <a:prstGeom prst="rect">
             <a:avLst/>
@@ -5450,7 +5426,7 @@
     </p:spTree>
     <p:extLst>
       <p:ext uri="{BB962C8B-B14F-4D97-AF65-F5344CB8AC3E}">
-        <p14:creationId xmlns:p14="http://schemas.microsoft.com/office/powerpoint/2010/main" val="3370882647"/>
+        <p14:creationId xmlns:p14="http://schemas.microsoft.com/office/powerpoint/2010/main" val="2811243867"/>
       </p:ext>
     </p:extLst>
   </p:cSld>
@@ -5566,7 +5542,7 @@
           <p:cNvPr id="2" name="그림 1">
             <a:extLst>
               <a:ext uri="{FF2B5EF4-FFF2-40B4-BE49-F238E27FC236}">
-                <a16:creationId xmlns:a16="http://schemas.microsoft.com/office/drawing/2014/main" id="{8C0B53B6-91CD-4674-AD8B-229D8AB36492}"/>
+                <a16:creationId xmlns:a16="http://schemas.microsoft.com/office/drawing/2014/main" id="{0A201080-61C0-4055-AFB9-4FF0690834AF}"/>
               </a:ext>
             </a:extLst>
           </p:cNvPr>
@@ -5583,38 +5559,8 @@
         </p:blipFill>
         <p:spPr>
           <a:xfrm>
-            <a:off x="319485" y="1551075"/>
-            <a:ext cx="7505700" cy="4962525"/>
-          </a:xfrm>
-          <a:prstGeom prst="rect">
-            <a:avLst/>
-          </a:prstGeom>
-        </p:spPr>
-      </p:pic>
-      <p:pic>
-        <p:nvPicPr>
-          <p:cNvPr id="4" name="그림 3">
-            <a:extLst>
-              <a:ext uri="{FF2B5EF4-FFF2-40B4-BE49-F238E27FC236}">
-                <a16:creationId xmlns:a16="http://schemas.microsoft.com/office/drawing/2014/main" id="{6FC8C0FF-56DC-42A2-8B16-0A08674CEB15}"/>
-              </a:ext>
-            </a:extLst>
-          </p:cNvPr>
-          <p:cNvPicPr>
-            <a:picLocks noChangeAspect="1"/>
-          </p:cNvPicPr>
-          <p:nvPr/>
-        </p:nvPicPr>
-        <p:blipFill>
-          <a:blip r:embed="rId3"/>
-          <a:stretch>
-            <a:fillRect/>
-          </a:stretch>
-        </p:blipFill>
-        <p:spPr>
-          <a:xfrm>
-            <a:off x="7742630" y="2717359"/>
-            <a:ext cx="4391025" cy="1809750"/>
+            <a:off x="1851025" y="1943473"/>
+            <a:ext cx="8458200" cy="4429125"/>
           </a:xfrm>
           <a:prstGeom prst="rect">
             <a:avLst/>
@@ -5624,7 +5570,7 @@
     </p:spTree>
     <p:extLst>
       <p:ext uri="{BB962C8B-B14F-4D97-AF65-F5344CB8AC3E}">
-        <p14:creationId xmlns:p14="http://schemas.microsoft.com/office/powerpoint/2010/main" val="3120240796"/>
+        <p14:creationId xmlns:p14="http://schemas.microsoft.com/office/powerpoint/2010/main" val="3825927226"/>
       </p:ext>
     </p:extLst>
   </p:cSld>
@@ -5637,6 +5583,16 @@
 <file path=ppt/slides/slide2.xml><?xml version="1.0" encoding="utf-8"?>
 <p:sld xmlns:a="http://schemas.openxmlformats.org/drawingml/2006/main" xmlns:r="http://schemas.openxmlformats.org/officeDocument/2006/relationships" xmlns:p="http://schemas.openxmlformats.org/presentationml/2006/main">
   <p:cSld>
+    <p:bg>
+      <p:bgPr>
+        <a:solidFill>
+          <a:schemeClr val="bg1">
+            <a:lumMod val="65000"/>
+          </a:schemeClr>
+        </a:solidFill>
+        <a:effectLst/>
+      </p:bgPr>
+    </p:bg>
     <p:spTree>
       <p:nvGrpSpPr>
         <p:cNvPr id="1" name=""/>
@@ -5653,96 +5609,13 @@
       </p:grpSpPr>
       <p:sp>
         <p:nvSpPr>
-          <p:cNvPr id="5" name="제목 4"/>
-          <p:cNvSpPr>
-            <a:spLocks noGrp="1"/>
-          </p:cNvSpPr>
-          <p:nvPr>
-            <p:ph type="title"/>
-          </p:nvPr>
-        </p:nvSpPr>
-        <p:spPr>
-          <a:xfrm>
-            <a:off x="608016" y="551987"/>
-            <a:ext cx="10944225" cy="1140090"/>
-          </a:xfrm>
-        </p:spPr>
-        <p:txBody>
-          <a:bodyPr>
-            <a:normAutofit/>
-          </a:bodyPr>
-          <a:lstStyle/>
-          <a:p>
-            <a:pPr algn="l"/>
-            <a:r>
-              <a:rPr lang="ko-KR" altLang="en-US" sz="4400" dirty="0">
-                <a:solidFill>
-                  <a:schemeClr val="tx1">
-                    <a:lumMod val="75000"/>
-                    <a:lumOff val="25000"/>
-                  </a:schemeClr>
-                </a:solidFill>
-                <a:latin typeface="Noto Sans CJK KR Black" pitchFamily="34" charset="-127"/>
-                <a:ea typeface="Noto Sans CJK KR Black" pitchFamily="34" charset="-127"/>
-              </a:rPr>
-              <a:t>강의순서</a:t>
-            </a:r>
-            <a:r>
-              <a:rPr lang="en-US" altLang="ko-KR" sz="4400" dirty="0">
-                <a:solidFill>
-                  <a:schemeClr val="tx1">
-                    <a:lumMod val="75000"/>
-                    <a:lumOff val="25000"/>
-                  </a:schemeClr>
-                </a:solidFill>
-                <a:latin typeface="Noto Sans CJK KR Black" pitchFamily="34" charset="-127"/>
-                <a:ea typeface="Noto Sans CJK KR Black" pitchFamily="34" charset="-127"/>
-              </a:rPr>
-              <a:t>(Part2&amp;3: 5</a:t>
-            </a:r>
-            <a:r>
-              <a:rPr lang="ko-KR" altLang="en-US" sz="4400" dirty="0" err="1">
-                <a:solidFill>
-                  <a:schemeClr val="tx1">
-                    <a:lumMod val="75000"/>
-                    <a:lumOff val="25000"/>
-                  </a:schemeClr>
-                </a:solidFill>
-                <a:latin typeface="Noto Sans CJK KR Black" pitchFamily="34" charset="-127"/>
-                <a:ea typeface="Noto Sans CJK KR Black" pitchFamily="34" charset="-127"/>
-              </a:rPr>
-              <a:t>회차</a:t>
-            </a:r>
-            <a:r>
-              <a:rPr lang="en-US" altLang="ko-KR" sz="4400" dirty="0">
-                <a:solidFill>
-                  <a:schemeClr val="tx1">
-                    <a:lumMod val="75000"/>
-                    <a:lumOff val="25000"/>
-                  </a:schemeClr>
-                </a:solidFill>
-                <a:latin typeface="Noto Sans CJK KR Black" pitchFamily="34" charset="-127"/>
-                <a:ea typeface="Noto Sans CJK KR Black" pitchFamily="34" charset="-127"/>
-              </a:rPr>
-              <a:t>)</a:t>
-            </a:r>
-            <a:r>
-              <a:rPr lang="ko-KR" altLang="en-US" sz="4400" dirty="0">
-                <a:solidFill>
-                  <a:schemeClr val="tx1">
-                    <a:lumMod val="75000"/>
-                    <a:lumOff val="25000"/>
-                  </a:schemeClr>
-                </a:solidFill>
-              </a:rPr>
-              <a:t> </a:t>
-            </a:r>
-          </a:p>
-        </p:txBody>
-      </p:sp>
-      <p:sp>
-        <p:nvSpPr>
-          <p:cNvPr id="15" name="슬라이드 번호 개체 틀 14"/>
+          <p:cNvPr id="5" name="슬라이드 번호 개체 틀 3">
+            <a:extLst>
+              <a:ext uri="{FF2B5EF4-FFF2-40B4-BE49-F238E27FC236}">
+                <a16:creationId xmlns:a16="http://schemas.microsoft.com/office/drawing/2014/main" id="{FD142860-410A-4F4E-92DC-DC5FC1E8F9C8}"/>
+              </a:ext>
+            </a:extLst>
+          </p:cNvPr>
           <p:cNvSpPr>
             <a:spLocks noGrp="1"/>
           </p:cNvSpPr>
@@ -5750,7 +5623,12 @@
             <p:ph type="sldNum" sz="quarter" idx="12"/>
           </p:nvPr>
         </p:nvSpPr>
-        <p:spPr/>
+        <p:spPr>
+          <a:xfrm>
+            <a:off x="9160679" y="6372598"/>
+            <a:ext cx="2837392" cy="364195"/>
+          </a:xfrm>
+        </p:spPr>
         <p:txBody>
           <a:bodyPr/>
           <a:lstStyle/>
@@ -5764,40 +5642,213 @@
           </a:p>
         </p:txBody>
       </p:sp>
-      <p:pic>
-        <p:nvPicPr>
-          <p:cNvPr id="2" name="그림 1">
+      <p:sp>
+        <p:nvSpPr>
+          <p:cNvPr id="6" name="TextBox 5">
             <a:extLst>
               <a:ext uri="{FF2B5EF4-FFF2-40B4-BE49-F238E27FC236}">
-                <a16:creationId xmlns:a16="http://schemas.microsoft.com/office/drawing/2014/main" id="{C63F269A-40EC-4622-973B-1144C3B98028}"/>
+                <a16:creationId xmlns:a16="http://schemas.microsoft.com/office/drawing/2014/main" id="{E4D60102-B1D1-4963-AAA4-EA2400320AB9}"/>
               </a:ext>
             </a:extLst>
           </p:cNvPr>
-          <p:cNvPicPr>
-            <a:picLocks noChangeAspect="1"/>
-          </p:cNvPicPr>
+          <p:cNvSpPr txBox="1"/>
           <p:nvPr/>
-        </p:nvPicPr>
-        <p:blipFill>
-          <a:blip r:embed="rId2"/>
-          <a:stretch>
-            <a:fillRect/>
-          </a:stretch>
-        </p:blipFill>
-        <p:spPr>
-          <a:xfrm>
-            <a:off x="3174602" y="2196133"/>
-            <a:ext cx="5811046" cy="3672408"/>
+        </p:nvSpPr>
+        <p:spPr>
+          <a:xfrm>
+            <a:off x="542135" y="855851"/>
+            <a:ext cx="11298630" cy="3016210"/>
           </a:xfrm>
           <a:prstGeom prst="rect">
             <a:avLst/>
           </a:prstGeom>
-        </p:spPr>
-      </p:pic>
+          <a:noFill/>
+        </p:spPr>
+        <p:txBody>
+          <a:bodyPr wrap="square" lIns="0" tIns="0" rIns="0" bIns="0" rtlCol="0" anchor="t">
+            <a:spAutoFit/>
+          </a:bodyPr>
+          <a:lstStyle/>
+          <a:p>
+            <a:r>
+              <a:rPr lang="en-US" altLang="ko-KR" sz="4400" dirty="0">
+                <a:solidFill>
+                  <a:schemeClr val="bg1"/>
+                </a:solidFill>
+                <a:latin typeface="Noto Sans CJK KR Black" panose="020B0A00000000000000" pitchFamily="34" charset="-127"/>
+                <a:ea typeface="Noto Sans CJK KR Black" panose="020B0A00000000000000" pitchFamily="34" charset="-127"/>
+              </a:rPr>
+              <a:t>5</a:t>
+            </a:r>
+            <a:r>
+              <a:rPr lang="ko-KR" altLang="en-US" sz="4400" dirty="0">
+                <a:solidFill>
+                  <a:schemeClr val="bg1"/>
+                </a:solidFill>
+                <a:latin typeface="Noto Sans CJK KR Black" panose="020B0A00000000000000" pitchFamily="34" charset="-127"/>
+                <a:ea typeface="Noto Sans CJK KR Black" panose="020B0A00000000000000" pitchFamily="34" charset="-127"/>
+              </a:rPr>
+              <a:t>주차 강의의 목적</a:t>
+            </a:r>
+            <a:endParaRPr lang="en-US" altLang="ko-KR" sz="4400" dirty="0">
+              <a:solidFill>
+                <a:schemeClr val="bg1"/>
+              </a:solidFill>
+              <a:latin typeface="Noto Sans CJK KR Black" panose="020B0A00000000000000" pitchFamily="34" charset="-127"/>
+              <a:ea typeface="Noto Sans CJK KR Black" panose="020B0A00000000000000" pitchFamily="34" charset="-127"/>
+            </a:endParaRPr>
+          </a:p>
+          <a:p>
+            <a:endParaRPr lang="en-US" altLang="ko-KR" sz="4400" dirty="0">
+              <a:solidFill>
+                <a:schemeClr val="bg1"/>
+              </a:solidFill>
+              <a:latin typeface="Noto Sans CJK KR Black" panose="020B0A00000000000000" pitchFamily="34" charset="-127"/>
+              <a:ea typeface="Noto Sans CJK KR Black" panose="020B0A00000000000000" pitchFamily="34" charset="-127"/>
+            </a:endParaRPr>
+          </a:p>
+          <a:p>
+            <a:endParaRPr lang="en-US" altLang="ko-KR" sz="4400" dirty="0">
+              <a:solidFill>
+                <a:schemeClr val="bg1"/>
+              </a:solidFill>
+              <a:latin typeface="Noto Sans CJK KR Black" panose="020B0A00000000000000" pitchFamily="34" charset="-127"/>
+              <a:ea typeface="Noto Sans CJK KR Black" panose="020B0A00000000000000" pitchFamily="34" charset="-127"/>
+            </a:endParaRPr>
+          </a:p>
+          <a:p>
+            <a:r>
+              <a:rPr lang="en-US" altLang="ko-KR" sz="3200" dirty="0">
+                <a:solidFill>
+                  <a:schemeClr val="bg1"/>
+                </a:solidFill>
+                <a:latin typeface="Noto Sans CJK KR Black" panose="020B0A00000000000000" pitchFamily="34" charset="-127"/>
+                <a:ea typeface="Noto Sans CJK KR Black" panose="020B0A00000000000000" pitchFamily="34" charset="-127"/>
+              </a:rPr>
+              <a:t>“</a:t>
+            </a:r>
+            <a:r>
+              <a:rPr lang="ko-KR" altLang="en-US" sz="3200" dirty="0">
+                <a:solidFill>
+                  <a:schemeClr val="bg1"/>
+                </a:solidFill>
+                <a:latin typeface="Noto Sans CJK KR Black" panose="020B0A00000000000000" pitchFamily="34" charset="-127"/>
+                <a:ea typeface="Noto Sans CJK KR Black" panose="020B0A00000000000000" pitchFamily="34" charset="-127"/>
+              </a:rPr>
+              <a:t>시계열 분석</a:t>
+            </a:r>
+            <a:r>
+              <a:rPr lang="en-US" altLang="ko-KR" sz="3200" dirty="0">
+                <a:solidFill>
+                  <a:schemeClr val="bg1"/>
+                </a:solidFill>
+                <a:latin typeface="Noto Sans CJK KR Black" panose="020B0A00000000000000" pitchFamily="34" charset="-127"/>
+                <a:ea typeface="Noto Sans CJK KR Black" panose="020B0A00000000000000" pitchFamily="34" charset="-127"/>
+              </a:rPr>
+              <a:t>“</a:t>
+            </a:r>
+          </a:p>
+          <a:p>
+            <a:r>
+              <a:rPr lang="en-US" altLang="ko-KR" sz="3200" dirty="0">
+                <a:solidFill>
+                  <a:schemeClr val="bg1"/>
+                </a:solidFill>
+                <a:latin typeface="Noto Sans CJK KR Black" panose="020B0A00000000000000" pitchFamily="34" charset="-127"/>
+                <a:ea typeface="Noto Sans CJK KR Black" panose="020B0A00000000000000" pitchFamily="34" charset="-127"/>
+              </a:rPr>
+              <a:t>“</a:t>
+            </a:r>
+            <a:r>
+              <a:rPr lang="ko-KR" altLang="en-US" sz="3200" dirty="0">
+                <a:solidFill>
+                  <a:schemeClr val="bg1"/>
+                </a:solidFill>
+                <a:latin typeface="Noto Sans CJK KR Black" panose="020B0A00000000000000" pitchFamily="34" charset="-127"/>
+                <a:ea typeface="Noto Sans CJK KR Black" panose="020B0A00000000000000" pitchFamily="34" charset="-127"/>
+              </a:rPr>
+              <a:t>기계학습</a:t>
+            </a:r>
+            <a:r>
+              <a:rPr lang="en-US" altLang="ko-KR" sz="3200" dirty="0">
+                <a:solidFill>
+                  <a:schemeClr val="bg1"/>
+                </a:solidFill>
+                <a:latin typeface="Noto Sans CJK KR Black" panose="020B0A00000000000000" pitchFamily="34" charset="-127"/>
+                <a:ea typeface="Noto Sans CJK KR Black" panose="020B0A00000000000000" pitchFamily="34" charset="-127"/>
+              </a:rPr>
+              <a:t>(Machine Learning) </a:t>
+            </a:r>
+            <a:r>
+              <a:rPr lang="ko-KR" altLang="en-US" sz="3200" dirty="0">
+                <a:solidFill>
+                  <a:schemeClr val="bg1"/>
+                </a:solidFill>
+                <a:latin typeface="Noto Sans CJK KR Black" panose="020B0A00000000000000" pitchFamily="34" charset="-127"/>
+                <a:ea typeface="Noto Sans CJK KR Black" panose="020B0A00000000000000" pitchFamily="34" charset="-127"/>
+              </a:rPr>
+              <a:t>알고리즘</a:t>
+            </a:r>
+            <a:r>
+              <a:rPr lang="en-US" altLang="ko-KR" sz="3200" dirty="0">
+                <a:solidFill>
+                  <a:schemeClr val="bg1"/>
+                </a:solidFill>
+                <a:latin typeface="Noto Sans CJK KR Black" panose="020B0A00000000000000" pitchFamily="34" charset="-127"/>
+                <a:ea typeface="Noto Sans CJK KR Black" panose="020B0A00000000000000" pitchFamily="34" charset="-127"/>
+              </a:rPr>
+              <a:t>“</a:t>
+            </a:r>
+          </a:p>
+        </p:txBody>
+      </p:sp>
+      <p:sp>
+        <p:nvSpPr>
+          <p:cNvPr id="7" name="TextBox 6">
+            <a:extLst>
+              <a:ext uri="{FF2B5EF4-FFF2-40B4-BE49-F238E27FC236}">
+                <a16:creationId xmlns:a16="http://schemas.microsoft.com/office/drawing/2014/main" id="{6CFF4F43-C036-4E6F-B642-467B0A6413FE}"/>
+              </a:ext>
+            </a:extLst>
+          </p:cNvPr>
+          <p:cNvSpPr txBox="1"/>
+          <p:nvPr/>
+        </p:nvSpPr>
+        <p:spPr>
+          <a:xfrm>
+            <a:off x="4783981" y="611957"/>
+            <a:ext cx="7056784" cy="216726"/>
+          </a:xfrm>
+          <a:prstGeom prst="rect">
+            <a:avLst/>
+          </a:prstGeom>
+          <a:noFill/>
+        </p:spPr>
+        <p:txBody>
+          <a:bodyPr wrap="square" lIns="0" tIns="0" rIns="0" bIns="0" rtlCol="0" anchor="t">
+            <a:spAutoFit/>
+          </a:bodyPr>
+          <a:lstStyle/>
+          <a:p>
+            <a:pPr>
+              <a:lnSpc>
+                <a:spcPct val="150000"/>
+              </a:lnSpc>
+            </a:pPr>
+            <a:endParaRPr lang="en-US" altLang="ko-KR" sz="1050" dirty="0">
+              <a:solidFill>
+                <a:schemeClr val="bg1"/>
+              </a:solidFill>
+              <a:latin typeface="Noto Sans CJK KR Medium" panose="020B0600000000000000" pitchFamily="34" charset="-127"/>
+              <a:ea typeface="Noto Sans CJK KR Medium" panose="020B0600000000000000" pitchFamily="34" charset="-127"/>
+            </a:endParaRPr>
+          </a:p>
+        </p:txBody>
+      </p:sp>
     </p:spTree>
     <p:extLst>
       <p:ext uri="{BB962C8B-B14F-4D97-AF65-F5344CB8AC3E}">
-        <p14:creationId xmlns:p14="http://schemas.microsoft.com/office/powerpoint/2010/main" val="2877754834"/>
+        <p14:creationId xmlns:p14="http://schemas.microsoft.com/office/powerpoint/2010/main" val="3339102357"/>
       </p:ext>
     </p:extLst>
   </p:cSld>
@@ -5858,7 +5909,7 @@
                 <a:latin typeface="Noto Sans CJK KR Black" pitchFamily="34" charset="-127"/>
                 <a:ea typeface="Noto Sans CJK KR Black" pitchFamily="34" charset="-127"/>
               </a:rPr>
-              <a:t>2. </a:t>
+              <a:t>1. </a:t>
             </a:r>
             <a:r>
               <a:rPr lang="ko-KR" altLang="en-US" sz="4400" dirty="0">
@@ -5871,7 +5922,7 @@
                 <a:latin typeface="Noto Sans CJK KR Black" pitchFamily="34" charset="-127"/>
                 <a:ea typeface="Noto Sans CJK KR Black" pitchFamily="34" charset="-127"/>
               </a:rPr>
-              <a:t>시계열 알고리즘</a:t>
+              <a:t>기계학습 알고리즘</a:t>
             </a:r>
             <a:endParaRPr lang="ko-KR" altLang="en-US" sz="4400" dirty="0">
               <a:solidFill>
@@ -5910,10 +5961,10 @@
       </p:sp>
       <p:pic>
         <p:nvPicPr>
-          <p:cNvPr id="2" name="그림 1">
+          <p:cNvPr id="4" name="그림 3">
             <a:extLst>
               <a:ext uri="{FF2B5EF4-FFF2-40B4-BE49-F238E27FC236}">
-                <a16:creationId xmlns:a16="http://schemas.microsoft.com/office/drawing/2014/main" id="{D3A9490D-469C-4BE3-AD4B-3557B36A1CD0}"/>
+                <a16:creationId xmlns:a16="http://schemas.microsoft.com/office/drawing/2014/main" id="{9B971A19-C12F-4C23-B3D9-E6C211D2D26E}"/>
               </a:ext>
             </a:extLst>
           </p:cNvPr>
@@ -5930,8 +5981,8 @@
         </p:blipFill>
         <p:spPr>
           <a:xfrm>
-            <a:off x="2217737" y="2121238"/>
-            <a:ext cx="7724775" cy="3819525"/>
+            <a:off x="1874837" y="2024919"/>
+            <a:ext cx="8410575" cy="4352925"/>
           </a:xfrm>
           <a:prstGeom prst="rect">
             <a:avLst/>
@@ -5941,7 +5992,7 @@
     </p:spTree>
     <p:extLst>
       <p:ext uri="{BB962C8B-B14F-4D97-AF65-F5344CB8AC3E}">
-        <p14:creationId xmlns:p14="http://schemas.microsoft.com/office/powerpoint/2010/main" val="470989815"/>
+        <p14:creationId xmlns:p14="http://schemas.microsoft.com/office/powerpoint/2010/main" val="2133787294"/>
       </p:ext>
     </p:extLst>
   </p:cSld>
@@ -6002,7 +6053,7 @@
                 <a:latin typeface="Noto Sans CJK KR Black" pitchFamily="34" charset="-127"/>
                 <a:ea typeface="Noto Sans CJK KR Black" pitchFamily="34" charset="-127"/>
               </a:rPr>
-              <a:t>2. </a:t>
+              <a:t>1. </a:t>
             </a:r>
             <a:r>
               <a:rPr lang="ko-KR" altLang="en-US" sz="4400" dirty="0">
@@ -6015,7 +6066,7 @@
                 <a:latin typeface="Noto Sans CJK KR Black" pitchFamily="34" charset="-127"/>
                 <a:ea typeface="Noto Sans CJK KR Black" pitchFamily="34" charset="-127"/>
               </a:rPr>
-              <a:t>시계열</a:t>
+              <a:t>기계학습</a:t>
             </a:r>
             <a:br>
               <a:rPr lang="en-US" altLang="ko-KR" sz="4400" dirty="0">
@@ -6040,7 +6091,7 @@
                 <a:latin typeface="Noto Sans CJK KR Black" pitchFamily="34" charset="-127"/>
                 <a:ea typeface="Noto Sans CJK KR Black" pitchFamily="34" charset="-127"/>
               </a:rPr>
-              <a:t>알고리즘</a:t>
+              <a:t> 알고리즘</a:t>
             </a:r>
             <a:endParaRPr lang="ko-KR" altLang="en-US" sz="4400" dirty="0">
               <a:solidFill>
@@ -6079,10 +6130,10 @@
       </p:sp>
       <p:pic>
         <p:nvPicPr>
-          <p:cNvPr id="4" name="그림 3">
+          <p:cNvPr id="2" name="그림 1">
             <a:extLst>
               <a:ext uri="{FF2B5EF4-FFF2-40B4-BE49-F238E27FC236}">
-                <a16:creationId xmlns:a16="http://schemas.microsoft.com/office/drawing/2014/main" id="{584CB225-FACE-4164-B606-E9E3B5D2B646}"/>
+                <a16:creationId xmlns:a16="http://schemas.microsoft.com/office/drawing/2014/main" id="{A4143997-BD5B-467F-9C94-93A6F2673CB4}"/>
               </a:ext>
             </a:extLst>
           </p:cNvPr>
@@ -6099,8 +6150,8 @@
         </p:blipFill>
         <p:spPr>
           <a:xfrm>
-            <a:off x="3127797" y="39688"/>
-            <a:ext cx="8715375" cy="6800850"/>
+            <a:off x="3750102" y="0"/>
+            <a:ext cx="8256779" cy="6840538"/>
           </a:xfrm>
           <a:prstGeom prst="rect">
             <a:avLst/>
@@ -6110,7 +6161,7 @@
     </p:spTree>
     <p:extLst>
       <p:ext uri="{BB962C8B-B14F-4D97-AF65-F5344CB8AC3E}">
-        <p14:creationId xmlns:p14="http://schemas.microsoft.com/office/powerpoint/2010/main" val="3819264211"/>
+        <p14:creationId xmlns:p14="http://schemas.microsoft.com/office/powerpoint/2010/main" val="945379000"/>
       </p:ext>
     </p:extLst>
   </p:cSld>
@@ -6171,7 +6222,7 @@
                 <a:latin typeface="Noto Sans CJK KR Black" pitchFamily="34" charset="-127"/>
                 <a:ea typeface="Noto Sans CJK KR Black" pitchFamily="34" charset="-127"/>
               </a:rPr>
-              <a:t>2. </a:t>
+              <a:t>1. </a:t>
             </a:r>
             <a:r>
               <a:rPr lang="ko-KR" altLang="en-US" sz="4400" dirty="0">
@@ -6184,7 +6235,7 @@
                 <a:latin typeface="Noto Sans CJK KR Black" pitchFamily="34" charset="-127"/>
                 <a:ea typeface="Noto Sans CJK KR Black" pitchFamily="34" charset="-127"/>
               </a:rPr>
-              <a:t>시계열 알고리즘</a:t>
+              <a:t>기계학습 알고리즘</a:t>
             </a:r>
             <a:endParaRPr lang="ko-KR" altLang="en-US" sz="4400" dirty="0">
               <a:solidFill>
@@ -6226,7 +6277,7 @@
           <p:cNvPr id="2" name="그림 1">
             <a:extLst>
               <a:ext uri="{FF2B5EF4-FFF2-40B4-BE49-F238E27FC236}">
-                <a16:creationId xmlns:a16="http://schemas.microsoft.com/office/drawing/2014/main" id="{6F763DEA-237B-44B0-8E1B-3C082E77EACB}"/>
+                <a16:creationId xmlns:a16="http://schemas.microsoft.com/office/drawing/2014/main" id="{EE4031B8-D31C-4DD6-8A8A-855EE98771BE}"/>
               </a:ext>
             </a:extLst>
           </p:cNvPr>
@@ -6243,8 +6294,8 @@
         </p:blipFill>
         <p:spPr>
           <a:xfrm>
-            <a:off x="2522537" y="1836093"/>
-            <a:ext cx="7115175" cy="3743325"/>
+            <a:off x="2513012" y="1589175"/>
+            <a:ext cx="7134225" cy="4886325"/>
           </a:xfrm>
           <a:prstGeom prst="rect">
             <a:avLst/>
@@ -6254,7 +6305,7 @@
     </p:spTree>
     <p:extLst>
       <p:ext uri="{BB962C8B-B14F-4D97-AF65-F5344CB8AC3E}">
-        <p14:creationId xmlns:p14="http://schemas.microsoft.com/office/powerpoint/2010/main" val="484783374"/>
+        <p14:creationId xmlns:p14="http://schemas.microsoft.com/office/powerpoint/2010/main" val="446366101"/>
       </p:ext>
     </p:extLst>
   </p:cSld>
@@ -6265,6 +6316,980 @@
 </file>
 
 <file path=ppt/slides/slide23.xml><?xml version="1.0" encoding="utf-8"?>
+<p:sld xmlns:a="http://schemas.openxmlformats.org/drawingml/2006/main" xmlns:r="http://schemas.openxmlformats.org/officeDocument/2006/relationships" xmlns:p="http://schemas.openxmlformats.org/presentationml/2006/main">
+  <p:cSld>
+    <p:spTree>
+      <p:nvGrpSpPr>
+        <p:cNvPr id="1" name=""/>
+        <p:cNvGrpSpPr/>
+        <p:nvPr/>
+      </p:nvGrpSpPr>
+      <p:grpSpPr>
+        <a:xfrm>
+          <a:off x="0" y="0"/>
+          <a:ext cx="0" cy="0"/>
+          <a:chOff x="0" y="0"/>
+          <a:chExt cx="0" cy="0"/>
+        </a:xfrm>
+      </p:grpSpPr>
+      <p:sp>
+        <p:nvSpPr>
+          <p:cNvPr id="5" name="제목 4"/>
+          <p:cNvSpPr>
+            <a:spLocks noGrp="1"/>
+          </p:cNvSpPr>
+          <p:nvPr>
+            <p:ph type="title"/>
+          </p:nvPr>
+        </p:nvSpPr>
+        <p:spPr>
+          <a:xfrm>
+            <a:off x="608016" y="551987"/>
+            <a:ext cx="10944225" cy="1140090"/>
+          </a:xfrm>
+        </p:spPr>
+        <p:txBody>
+          <a:bodyPr>
+            <a:normAutofit/>
+          </a:bodyPr>
+          <a:lstStyle/>
+          <a:p>
+            <a:pPr algn="l"/>
+            <a:r>
+              <a:rPr lang="en-US" altLang="ko-KR" sz="4400" dirty="0">
+                <a:solidFill>
+                  <a:schemeClr val="tx1">
+                    <a:lumMod val="75000"/>
+                    <a:lumOff val="25000"/>
+                  </a:schemeClr>
+                </a:solidFill>
+                <a:latin typeface="Noto Sans CJK KR Black" pitchFamily="34" charset="-127"/>
+                <a:ea typeface="Noto Sans CJK KR Black" pitchFamily="34" charset="-127"/>
+              </a:rPr>
+              <a:t>1. </a:t>
+            </a:r>
+            <a:r>
+              <a:rPr lang="ko-KR" altLang="en-US" sz="4400" dirty="0">
+                <a:solidFill>
+                  <a:schemeClr val="tx1">
+                    <a:lumMod val="75000"/>
+                    <a:lumOff val="25000"/>
+                  </a:schemeClr>
+                </a:solidFill>
+                <a:latin typeface="Noto Sans CJK KR Black" pitchFamily="34" charset="-127"/>
+                <a:ea typeface="Noto Sans CJK KR Black" pitchFamily="34" charset="-127"/>
+              </a:rPr>
+              <a:t>기계학습 알고리즘</a:t>
+            </a:r>
+            <a:endParaRPr lang="ko-KR" altLang="en-US" sz="4400" dirty="0">
+              <a:solidFill>
+                <a:schemeClr val="tx1">
+                  <a:lumMod val="75000"/>
+                  <a:lumOff val="25000"/>
+                </a:schemeClr>
+              </a:solidFill>
+            </a:endParaRPr>
+          </a:p>
+        </p:txBody>
+      </p:sp>
+      <p:sp>
+        <p:nvSpPr>
+          <p:cNvPr id="3" name="슬라이드 번호 개체 틀 2"/>
+          <p:cNvSpPr>
+            <a:spLocks noGrp="1"/>
+          </p:cNvSpPr>
+          <p:nvPr>
+            <p:ph type="sldNum" sz="quarter" idx="12"/>
+          </p:nvPr>
+        </p:nvSpPr>
+        <p:spPr/>
+        <p:txBody>
+          <a:bodyPr/>
+          <a:lstStyle/>
+          <a:p>
+            <a:fld id="{6DDAE2C3-1A0B-474A-8CE8-AE55B8D9D4B1}" type="slidenum">
+              <a:rPr lang="ko-KR" altLang="en-US" smtClean="0"/>
+              <a:pPr/>
+              <a:t>23</a:t>
+            </a:fld>
+            <a:endParaRPr lang="ko-KR" altLang="en-US" dirty="0"/>
+          </a:p>
+        </p:txBody>
+      </p:sp>
+      <p:pic>
+        <p:nvPicPr>
+          <p:cNvPr id="4" name="그림 3">
+            <a:extLst>
+              <a:ext uri="{FF2B5EF4-FFF2-40B4-BE49-F238E27FC236}">
+                <a16:creationId xmlns:a16="http://schemas.microsoft.com/office/drawing/2014/main" id="{E960642D-16AA-42EE-9E10-D3EDD102A8E6}"/>
+              </a:ext>
+            </a:extLst>
+          </p:cNvPr>
+          <p:cNvPicPr>
+            <a:picLocks noChangeAspect="1"/>
+          </p:cNvPicPr>
+          <p:nvPr/>
+        </p:nvPicPr>
+        <p:blipFill>
+          <a:blip r:embed="rId2"/>
+          <a:stretch>
+            <a:fillRect/>
+          </a:stretch>
+        </p:blipFill>
+        <p:spPr>
+          <a:xfrm>
+            <a:off x="587783" y="1705348"/>
+            <a:ext cx="6810375" cy="4667250"/>
+          </a:xfrm>
+          <a:prstGeom prst="rect">
+            <a:avLst/>
+          </a:prstGeom>
+        </p:spPr>
+      </p:pic>
+      <p:pic>
+        <p:nvPicPr>
+          <p:cNvPr id="6" name="그림 5">
+            <a:extLst>
+              <a:ext uri="{FF2B5EF4-FFF2-40B4-BE49-F238E27FC236}">
+                <a16:creationId xmlns:a16="http://schemas.microsoft.com/office/drawing/2014/main" id="{518C9C44-EC8E-47A3-861A-2D657280D31F}"/>
+              </a:ext>
+            </a:extLst>
+          </p:cNvPr>
+          <p:cNvPicPr>
+            <a:picLocks noChangeAspect="1"/>
+          </p:cNvPicPr>
+          <p:nvPr/>
+        </p:nvPicPr>
+        <p:blipFill>
+          <a:blip r:embed="rId3"/>
+          <a:stretch>
+            <a:fillRect/>
+          </a:stretch>
+        </p:blipFill>
+        <p:spPr>
+          <a:xfrm>
+            <a:off x="7398158" y="2804469"/>
+            <a:ext cx="3790950" cy="3581400"/>
+          </a:xfrm>
+          <a:prstGeom prst="rect">
+            <a:avLst/>
+          </a:prstGeom>
+        </p:spPr>
+      </p:pic>
+    </p:spTree>
+    <p:extLst>
+      <p:ext uri="{BB962C8B-B14F-4D97-AF65-F5344CB8AC3E}">
+        <p14:creationId xmlns:p14="http://schemas.microsoft.com/office/powerpoint/2010/main" val="343394198"/>
+      </p:ext>
+    </p:extLst>
+  </p:cSld>
+  <p:clrMapOvr>
+    <a:masterClrMapping/>
+  </p:clrMapOvr>
+</p:sld>
+</file>
+
+<file path=ppt/slides/slide24.xml><?xml version="1.0" encoding="utf-8"?>
+<p:sld xmlns:a="http://schemas.openxmlformats.org/drawingml/2006/main" xmlns:r="http://schemas.openxmlformats.org/officeDocument/2006/relationships" xmlns:p="http://schemas.openxmlformats.org/presentationml/2006/main">
+  <p:cSld>
+    <p:spTree>
+      <p:nvGrpSpPr>
+        <p:cNvPr id="1" name=""/>
+        <p:cNvGrpSpPr/>
+        <p:nvPr/>
+      </p:nvGrpSpPr>
+      <p:grpSpPr>
+        <a:xfrm>
+          <a:off x="0" y="0"/>
+          <a:ext cx="0" cy="0"/>
+          <a:chOff x="0" y="0"/>
+          <a:chExt cx="0" cy="0"/>
+        </a:xfrm>
+      </p:grpSpPr>
+      <p:sp>
+        <p:nvSpPr>
+          <p:cNvPr id="5" name="제목 4"/>
+          <p:cNvSpPr>
+            <a:spLocks noGrp="1"/>
+          </p:cNvSpPr>
+          <p:nvPr>
+            <p:ph type="title"/>
+          </p:nvPr>
+        </p:nvSpPr>
+        <p:spPr>
+          <a:xfrm>
+            <a:off x="608016" y="551987"/>
+            <a:ext cx="10944225" cy="1140090"/>
+          </a:xfrm>
+        </p:spPr>
+        <p:txBody>
+          <a:bodyPr>
+            <a:normAutofit/>
+          </a:bodyPr>
+          <a:lstStyle/>
+          <a:p>
+            <a:pPr algn="l"/>
+            <a:r>
+              <a:rPr lang="en-US" altLang="ko-KR" sz="4400" dirty="0">
+                <a:solidFill>
+                  <a:schemeClr val="tx1">
+                    <a:lumMod val="75000"/>
+                    <a:lumOff val="25000"/>
+                  </a:schemeClr>
+                </a:solidFill>
+                <a:latin typeface="Noto Sans CJK KR Black" pitchFamily="34" charset="-127"/>
+                <a:ea typeface="Noto Sans CJK KR Black" pitchFamily="34" charset="-127"/>
+              </a:rPr>
+              <a:t>1. </a:t>
+            </a:r>
+            <a:r>
+              <a:rPr lang="ko-KR" altLang="en-US" sz="4400" dirty="0">
+                <a:solidFill>
+                  <a:schemeClr val="tx1">
+                    <a:lumMod val="75000"/>
+                    <a:lumOff val="25000"/>
+                  </a:schemeClr>
+                </a:solidFill>
+                <a:latin typeface="Noto Sans CJK KR Black" pitchFamily="34" charset="-127"/>
+                <a:ea typeface="Noto Sans CJK KR Black" pitchFamily="34" charset="-127"/>
+              </a:rPr>
+              <a:t>기계학습 알고리즘</a:t>
+            </a:r>
+            <a:endParaRPr lang="ko-KR" altLang="en-US" sz="4400" dirty="0">
+              <a:solidFill>
+                <a:schemeClr val="tx1">
+                  <a:lumMod val="75000"/>
+                  <a:lumOff val="25000"/>
+                </a:schemeClr>
+              </a:solidFill>
+            </a:endParaRPr>
+          </a:p>
+        </p:txBody>
+      </p:sp>
+      <p:sp>
+        <p:nvSpPr>
+          <p:cNvPr id="3" name="슬라이드 번호 개체 틀 2"/>
+          <p:cNvSpPr>
+            <a:spLocks noGrp="1"/>
+          </p:cNvSpPr>
+          <p:nvPr>
+            <p:ph type="sldNum" sz="quarter" idx="12"/>
+          </p:nvPr>
+        </p:nvSpPr>
+        <p:spPr/>
+        <p:txBody>
+          <a:bodyPr/>
+          <a:lstStyle/>
+          <a:p>
+            <a:fld id="{6DDAE2C3-1A0B-474A-8CE8-AE55B8D9D4B1}" type="slidenum">
+              <a:rPr lang="ko-KR" altLang="en-US" smtClean="0"/>
+              <a:pPr/>
+              <a:t>24</a:t>
+            </a:fld>
+            <a:endParaRPr lang="ko-KR" altLang="en-US" dirty="0"/>
+          </a:p>
+        </p:txBody>
+      </p:sp>
+      <p:pic>
+        <p:nvPicPr>
+          <p:cNvPr id="2" name="그림 1">
+            <a:extLst>
+              <a:ext uri="{FF2B5EF4-FFF2-40B4-BE49-F238E27FC236}">
+                <a16:creationId xmlns:a16="http://schemas.microsoft.com/office/drawing/2014/main" id="{C3BB5FF0-807B-4573-A1D8-52B1ABAF4BD0}"/>
+              </a:ext>
+            </a:extLst>
+          </p:cNvPr>
+          <p:cNvPicPr>
+            <a:picLocks noChangeAspect="1"/>
+          </p:cNvPicPr>
+          <p:nvPr/>
+        </p:nvPicPr>
+        <p:blipFill>
+          <a:blip r:embed="rId2"/>
+          <a:stretch>
+            <a:fillRect/>
+          </a:stretch>
+        </p:blipFill>
+        <p:spPr>
+          <a:xfrm>
+            <a:off x="2370137" y="1903500"/>
+            <a:ext cx="7419975" cy="4257675"/>
+          </a:xfrm>
+          <a:prstGeom prst="rect">
+            <a:avLst/>
+          </a:prstGeom>
+        </p:spPr>
+      </p:pic>
+    </p:spTree>
+    <p:extLst>
+      <p:ext uri="{BB962C8B-B14F-4D97-AF65-F5344CB8AC3E}">
+        <p14:creationId xmlns:p14="http://schemas.microsoft.com/office/powerpoint/2010/main" val="1798927978"/>
+      </p:ext>
+    </p:extLst>
+  </p:cSld>
+  <p:clrMapOvr>
+    <a:masterClrMapping/>
+  </p:clrMapOvr>
+</p:sld>
+</file>
+
+<file path=ppt/slides/slide25.xml><?xml version="1.0" encoding="utf-8"?>
+<p:sld xmlns:a="http://schemas.openxmlformats.org/drawingml/2006/main" xmlns:r="http://schemas.openxmlformats.org/officeDocument/2006/relationships" xmlns:p="http://schemas.openxmlformats.org/presentationml/2006/main">
+  <p:cSld>
+    <p:spTree>
+      <p:nvGrpSpPr>
+        <p:cNvPr id="1" name=""/>
+        <p:cNvGrpSpPr/>
+        <p:nvPr/>
+      </p:nvGrpSpPr>
+      <p:grpSpPr>
+        <a:xfrm>
+          <a:off x="0" y="0"/>
+          <a:ext cx="0" cy="0"/>
+          <a:chOff x="0" y="0"/>
+          <a:chExt cx="0" cy="0"/>
+        </a:xfrm>
+      </p:grpSpPr>
+      <p:sp>
+        <p:nvSpPr>
+          <p:cNvPr id="5" name="제목 4"/>
+          <p:cNvSpPr>
+            <a:spLocks noGrp="1"/>
+          </p:cNvSpPr>
+          <p:nvPr>
+            <p:ph type="title"/>
+          </p:nvPr>
+        </p:nvSpPr>
+        <p:spPr>
+          <a:xfrm>
+            <a:off x="608016" y="551987"/>
+            <a:ext cx="10944225" cy="1140090"/>
+          </a:xfrm>
+        </p:spPr>
+        <p:txBody>
+          <a:bodyPr>
+            <a:normAutofit fontScale="90000"/>
+          </a:bodyPr>
+          <a:lstStyle/>
+          <a:p>
+            <a:pPr algn="l"/>
+            <a:r>
+              <a:rPr lang="en-US" altLang="ko-KR" sz="4400" dirty="0">
+                <a:solidFill>
+                  <a:schemeClr val="tx1">
+                    <a:lumMod val="75000"/>
+                    <a:lumOff val="25000"/>
+                  </a:schemeClr>
+                </a:solidFill>
+                <a:latin typeface="Noto Sans CJK KR Black" pitchFamily="34" charset="-127"/>
+                <a:ea typeface="Noto Sans CJK KR Black" pitchFamily="34" charset="-127"/>
+              </a:rPr>
+              <a:t>1. </a:t>
+            </a:r>
+            <a:r>
+              <a:rPr lang="ko-KR" altLang="en-US" sz="4400" dirty="0">
+                <a:solidFill>
+                  <a:schemeClr val="tx1">
+                    <a:lumMod val="75000"/>
+                    <a:lumOff val="25000"/>
+                  </a:schemeClr>
+                </a:solidFill>
+                <a:latin typeface="Noto Sans CJK KR Black" pitchFamily="34" charset="-127"/>
+                <a:ea typeface="Noto Sans CJK KR Black" pitchFamily="34" charset="-127"/>
+              </a:rPr>
+              <a:t>기계학습</a:t>
+            </a:r>
+            <a:br>
+              <a:rPr lang="en-US" altLang="ko-KR" sz="4400" dirty="0">
+                <a:solidFill>
+                  <a:schemeClr val="tx1">
+                    <a:lumMod val="75000"/>
+                    <a:lumOff val="25000"/>
+                  </a:schemeClr>
+                </a:solidFill>
+                <a:latin typeface="Noto Sans CJK KR Black" pitchFamily="34" charset="-127"/>
+                <a:ea typeface="Noto Sans CJK KR Black" pitchFamily="34" charset="-127"/>
+              </a:rPr>
+            </a:br>
+            <a:r>
+              <a:rPr lang="ko-KR" altLang="en-US" sz="4400" dirty="0">
+                <a:solidFill>
+                  <a:schemeClr val="tx1">
+                    <a:lumMod val="75000"/>
+                    <a:lumOff val="25000"/>
+                  </a:schemeClr>
+                </a:solidFill>
+                <a:latin typeface="Noto Sans CJK KR Black" pitchFamily="34" charset="-127"/>
+                <a:ea typeface="Noto Sans CJK KR Black" pitchFamily="34" charset="-127"/>
+              </a:rPr>
+              <a:t>알고리즘</a:t>
+            </a:r>
+            <a:endParaRPr lang="ko-KR" altLang="en-US" sz="4400" dirty="0">
+              <a:solidFill>
+                <a:schemeClr val="tx1">
+                  <a:lumMod val="75000"/>
+                  <a:lumOff val="25000"/>
+                </a:schemeClr>
+              </a:solidFill>
+            </a:endParaRPr>
+          </a:p>
+        </p:txBody>
+      </p:sp>
+      <p:sp>
+        <p:nvSpPr>
+          <p:cNvPr id="3" name="슬라이드 번호 개체 틀 2"/>
+          <p:cNvSpPr>
+            <a:spLocks noGrp="1"/>
+          </p:cNvSpPr>
+          <p:nvPr>
+            <p:ph type="sldNum" sz="quarter" idx="12"/>
+          </p:nvPr>
+        </p:nvSpPr>
+        <p:spPr/>
+        <p:txBody>
+          <a:bodyPr/>
+          <a:lstStyle/>
+          <a:p>
+            <a:fld id="{6DDAE2C3-1A0B-474A-8CE8-AE55B8D9D4B1}" type="slidenum">
+              <a:rPr lang="ko-KR" altLang="en-US" smtClean="0"/>
+              <a:pPr/>
+              <a:t>25</a:t>
+            </a:fld>
+            <a:endParaRPr lang="ko-KR" altLang="en-US" dirty="0"/>
+          </a:p>
+        </p:txBody>
+      </p:sp>
+      <p:pic>
+        <p:nvPicPr>
+          <p:cNvPr id="2" name="그림 1">
+            <a:extLst>
+              <a:ext uri="{FF2B5EF4-FFF2-40B4-BE49-F238E27FC236}">
+                <a16:creationId xmlns:a16="http://schemas.microsoft.com/office/drawing/2014/main" id="{93638417-DF39-447E-B5BC-0D9EB8FDBA3E}"/>
+              </a:ext>
+            </a:extLst>
+          </p:cNvPr>
+          <p:cNvPicPr>
+            <a:picLocks noChangeAspect="1"/>
+          </p:cNvPicPr>
+          <p:nvPr/>
+        </p:nvPicPr>
+        <p:blipFill>
+          <a:blip r:embed="rId2"/>
+          <a:stretch>
+            <a:fillRect/>
+          </a:stretch>
+        </p:blipFill>
+        <p:spPr>
+          <a:xfrm>
+            <a:off x="3459271" y="221693"/>
+            <a:ext cx="8105775" cy="6515100"/>
+          </a:xfrm>
+          <a:prstGeom prst="rect">
+            <a:avLst/>
+          </a:prstGeom>
+        </p:spPr>
+      </p:pic>
+    </p:spTree>
+    <p:extLst>
+      <p:ext uri="{BB962C8B-B14F-4D97-AF65-F5344CB8AC3E}">
+        <p14:creationId xmlns:p14="http://schemas.microsoft.com/office/powerpoint/2010/main" val="3981340834"/>
+      </p:ext>
+    </p:extLst>
+  </p:cSld>
+  <p:clrMapOvr>
+    <a:masterClrMapping/>
+  </p:clrMapOvr>
+</p:sld>
+</file>
+
+<file path=ppt/slides/slide26.xml><?xml version="1.0" encoding="utf-8"?>
+<p:sld xmlns:a="http://schemas.openxmlformats.org/drawingml/2006/main" xmlns:r="http://schemas.openxmlformats.org/officeDocument/2006/relationships" xmlns:p="http://schemas.openxmlformats.org/presentationml/2006/main">
+  <p:cSld>
+    <p:spTree>
+      <p:nvGrpSpPr>
+        <p:cNvPr id="1" name=""/>
+        <p:cNvGrpSpPr/>
+        <p:nvPr/>
+      </p:nvGrpSpPr>
+      <p:grpSpPr>
+        <a:xfrm>
+          <a:off x="0" y="0"/>
+          <a:ext cx="0" cy="0"/>
+          <a:chOff x="0" y="0"/>
+          <a:chExt cx="0" cy="0"/>
+        </a:xfrm>
+      </p:grpSpPr>
+      <p:sp>
+        <p:nvSpPr>
+          <p:cNvPr id="5" name="제목 4"/>
+          <p:cNvSpPr>
+            <a:spLocks noGrp="1"/>
+          </p:cNvSpPr>
+          <p:nvPr>
+            <p:ph type="title"/>
+          </p:nvPr>
+        </p:nvSpPr>
+        <p:spPr>
+          <a:xfrm>
+            <a:off x="608016" y="551987"/>
+            <a:ext cx="10944225" cy="1140090"/>
+          </a:xfrm>
+        </p:spPr>
+        <p:txBody>
+          <a:bodyPr>
+            <a:normAutofit fontScale="90000"/>
+          </a:bodyPr>
+          <a:lstStyle/>
+          <a:p>
+            <a:pPr algn="l"/>
+            <a:r>
+              <a:rPr lang="en-US" altLang="ko-KR" sz="4400" dirty="0">
+                <a:solidFill>
+                  <a:schemeClr val="tx1">
+                    <a:lumMod val="75000"/>
+                    <a:lumOff val="25000"/>
+                  </a:schemeClr>
+                </a:solidFill>
+                <a:latin typeface="Noto Sans CJK KR Black" pitchFamily="34" charset="-127"/>
+                <a:ea typeface="Noto Sans CJK KR Black" pitchFamily="34" charset="-127"/>
+              </a:rPr>
+              <a:t>1. </a:t>
+            </a:r>
+            <a:r>
+              <a:rPr lang="ko-KR" altLang="en-US" sz="4400" dirty="0">
+                <a:solidFill>
+                  <a:schemeClr val="tx1">
+                    <a:lumMod val="75000"/>
+                    <a:lumOff val="25000"/>
+                  </a:schemeClr>
+                </a:solidFill>
+                <a:latin typeface="Noto Sans CJK KR Black" pitchFamily="34" charset="-127"/>
+                <a:ea typeface="Noto Sans CJK KR Black" pitchFamily="34" charset="-127"/>
+              </a:rPr>
+              <a:t>기계학습 </a:t>
+            </a:r>
+            <a:br>
+              <a:rPr lang="en-US" altLang="ko-KR" sz="4400" dirty="0">
+                <a:solidFill>
+                  <a:schemeClr val="tx1">
+                    <a:lumMod val="75000"/>
+                    <a:lumOff val="25000"/>
+                  </a:schemeClr>
+                </a:solidFill>
+                <a:latin typeface="Noto Sans CJK KR Black" pitchFamily="34" charset="-127"/>
+                <a:ea typeface="Noto Sans CJK KR Black" pitchFamily="34" charset="-127"/>
+              </a:rPr>
+            </a:br>
+            <a:r>
+              <a:rPr lang="ko-KR" altLang="en-US" sz="4400" dirty="0">
+                <a:solidFill>
+                  <a:schemeClr val="tx1">
+                    <a:lumMod val="75000"/>
+                    <a:lumOff val="25000"/>
+                  </a:schemeClr>
+                </a:solidFill>
+                <a:latin typeface="Noto Sans CJK KR Black" pitchFamily="34" charset="-127"/>
+                <a:ea typeface="Noto Sans CJK KR Black" pitchFamily="34" charset="-127"/>
+              </a:rPr>
+              <a:t>알고리즘</a:t>
+            </a:r>
+            <a:endParaRPr lang="ko-KR" altLang="en-US" sz="4400" dirty="0">
+              <a:solidFill>
+                <a:schemeClr val="tx1">
+                  <a:lumMod val="75000"/>
+                  <a:lumOff val="25000"/>
+                </a:schemeClr>
+              </a:solidFill>
+            </a:endParaRPr>
+          </a:p>
+        </p:txBody>
+      </p:sp>
+      <p:sp>
+        <p:nvSpPr>
+          <p:cNvPr id="3" name="슬라이드 번호 개체 틀 2"/>
+          <p:cNvSpPr>
+            <a:spLocks noGrp="1"/>
+          </p:cNvSpPr>
+          <p:nvPr>
+            <p:ph type="sldNum" sz="quarter" idx="12"/>
+          </p:nvPr>
+        </p:nvSpPr>
+        <p:spPr/>
+        <p:txBody>
+          <a:bodyPr/>
+          <a:lstStyle/>
+          <a:p>
+            <a:fld id="{6DDAE2C3-1A0B-474A-8CE8-AE55B8D9D4B1}" type="slidenum">
+              <a:rPr lang="ko-KR" altLang="en-US" smtClean="0"/>
+              <a:pPr/>
+              <a:t>26</a:t>
+            </a:fld>
+            <a:endParaRPr lang="ko-KR" altLang="en-US" dirty="0"/>
+          </a:p>
+        </p:txBody>
+      </p:sp>
+      <p:pic>
+        <p:nvPicPr>
+          <p:cNvPr id="2" name="그림 1">
+            <a:extLst>
+              <a:ext uri="{FF2B5EF4-FFF2-40B4-BE49-F238E27FC236}">
+                <a16:creationId xmlns:a16="http://schemas.microsoft.com/office/drawing/2014/main" id="{D6106B40-A656-4BEA-913E-6180A711DBD7}"/>
+              </a:ext>
+            </a:extLst>
+          </p:cNvPr>
+          <p:cNvPicPr>
+            <a:picLocks noChangeAspect="1"/>
+          </p:cNvPicPr>
+          <p:nvPr/>
+        </p:nvPicPr>
+        <p:blipFill>
+          <a:blip r:embed="rId2"/>
+          <a:stretch>
+            <a:fillRect/>
+          </a:stretch>
+        </p:blipFill>
+        <p:spPr>
+          <a:xfrm>
+            <a:off x="5024702" y="0"/>
+            <a:ext cx="6492842" cy="6840538"/>
+          </a:xfrm>
+          <a:prstGeom prst="rect">
+            <a:avLst/>
+          </a:prstGeom>
+        </p:spPr>
+      </p:pic>
+    </p:spTree>
+    <p:extLst>
+      <p:ext uri="{BB962C8B-B14F-4D97-AF65-F5344CB8AC3E}">
+        <p14:creationId xmlns:p14="http://schemas.microsoft.com/office/powerpoint/2010/main" val="4201038256"/>
+      </p:ext>
+    </p:extLst>
+  </p:cSld>
+  <p:clrMapOvr>
+    <a:masterClrMapping/>
+  </p:clrMapOvr>
+</p:sld>
+</file>
+
+<file path=ppt/slides/slide27.xml><?xml version="1.0" encoding="utf-8"?>
+<p:sld xmlns:a="http://schemas.openxmlformats.org/drawingml/2006/main" xmlns:r="http://schemas.openxmlformats.org/officeDocument/2006/relationships" xmlns:p="http://schemas.openxmlformats.org/presentationml/2006/main">
+  <p:cSld>
+    <p:spTree>
+      <p:nvGrpSpPr>
+        <p:cNvPr id="1" name=""/>
+        <p:cNvGrpSpPr/>
+        <p:nvPr/>
+      </p:nvGrpSpPr>
+      <p:grpSpPr>
+        <a:xfrm>
+          <a:off x="0" y="0"/>
+          <a:ext cx="0" cy="0"/>
+          <a:chOff x="0" y="0"/>
+          <a:chExt cx="0" cy="0"/>
+        </a:xfrm>
+      </p:grpSpPr>
+      <p:sp>
+        <p:nvSpPr>
+          <p:cNvPr id="5" name="제목 4"/>
+          <p:cNvSpPr>
+            <a:spLocks noGrp="1"/>
+          </p:cNvSpPr>
+          <p:nvPr>
+            <p:ph type="title"/>
+          </p:nvPr>
+        </p:nvSpPr>
+        <p:spPr>
+          <a:xfrm>
+            <a:off x="608016" y="551987"/>
+            <a:ext cx="10944225" cy="1140090"/>
+          </a:xfrm>
+        </p:spPr>
+        <p:txBody>
+          <a:bodyPr>
+            <a:normAutofit/>
+          </a:bodyPr>
+          <a:lstStyle/>
+          <a:p>
+            <a:pPr algn="l"/>
+            <a:r>
+              <a:rPr lang="en-US" altLang="ko-KR" sz="4400" dirty="0">
+                <a:solidFill>
+                  <a:schemeClr val="tx1">
+                    <a:lumMod val="75000"/>
+                    <a:lumOff val="25000"/>
+                  </a:schemeClr>
+                </a:solidFill>
+                <a:latin typeface="Noto Sans CJK KR Black" pitchFamily="34" charset="-127"/>
+                <a:ea typeface="Noto Sans CJK KR Black" pitchFamily="34" charset="-127"/>
+              </a:rPr>
+              <a:t>1. </a:t>
+            </a:r>
+            <a:r>
+              <a:rPr lang="ko-KR" altLang="en-US" sz="4400" dirty="0">
+                <a:solidFill>
+                  <a:schemeClr val="tx1">
+                    <a:lumMod val="75000"/>
+                    <a:lumOff val="25000"/>
+                  </a:schemeClr>
+                </a:solidFill>
+                <a:latin typeface="Noto Sans CJK KR Black" pitchFamily="34" charset="-127"/>
+                <a:ea typeface="Noto Sans CJK KR Black" pitchFamily="34" charset="-127"/>
+              </a:rPr>
+              <a:t>기계학습 알고리즘</a:t>
+            </a:r>
+            <a:endParaRPr lang="ko-KR" altLang="en-US" sz="4400" dirty="0">
+              <a:solidFill>
+                <a:schemeClr val="tx1">
+                  <a:lumMod val="75000"/>
+                  <a:lumOff val="25000"/>
+                </a:schemeClr>
+              </a:solidFill>
+            </a:endParaRPr>
+          </a:p>
+        </p:txBody>
+      </p:sp>
+      <p:sp>
+        <p:nvSpPr>
+          <p:cNvPr id="3" name="슬라이드 번호 개체 틀 2"/>
+          <p:cNvSpPr>
+            <a:spLocks noGrp="1"/>
+          </p:cNvSpPr>
+          <p:nvPr>
+            <p:ph type="sldNum" sz="quarter" idx="12"/>
+          </p:nvPr>
+        </p:nvSpPr>
+        <p:spPr/>
+        <p:txBody>
+          <a:bodyPr/>
+          <a:lstStyle/>
+          <a:p>
+            <a:fld id="{6DDAE2C3-1A0B-474A-8CE8-AE55B8D9D4B1}" type="slidenum">
+              <a:rPr lang="ko-KR" altLang="en-US" smtClean="0"/>
+              <a:pPr/>
+              <a:t>27</a:t>
+            </a:fld>
+            <a:endParaRPr lang="ko-KR" altLang="en-US" dirty="0"/>
+          </a:p>
+        </p:txBody>
+      </p:sp>
+      <p:pic>
+        <p:nvPicPr>
+          <p:cNvPr id="2" name="그림 1">
+            <a:extLst>
+              <a:ext uri="{FF2B5EF4-FFF2-40B4-BE49-F238E27FC236}">
+                <a16:creationId xmlns:a16="http://schemas.microsoft.com/office/drawing/2014/main" id="{FA8CCA30-C87E-4848-A034-396AA29BA454}"/>
+              </a:ext>
+            </a:extLst>
+          </p:cNvPr>
+          <p:cNvPicPr>
+            <a:picLocks noChangeAspect="1"/>
+          </p:cNvPicPr>
+          <p:nvPr/>
+        </p:nvPicPr>
+        <p:blipFill>
+          <a:blip r:embed="rId2"/>
+          <a:stretch>
+            <a:fillRect/>
+          </a:stretch>
+        </p:blipFill>
+        <p:spPr>
+          <a:xfrm>
+            <a:off x="2451100" y="1703372"/>
+            <a:ext cx="7258050" cy="4695825"/>
+          </a:xfrm>
+          <a:prstGeom prst="rect">
+            <a:avLst/>
+          </a:prstGeom>
+        </p:spPr>
+      </p:pic>
+    </p:spTree>
+    <p:extLst>
+      <p:ext uri="{BB962C8B-B14F-4D97-AF65-F5344CB8AC3E}">
+        <p14:creationId xmlns:p14="http://schemas.microsoft.com/office/powerpoint/2010/main" val="3370882647"/>
+      </p:ext>
+    </p:extLst>
+  </p:cSld>
+  <p:clrMapOvr>
+    <a:masterClrMapping/>
+  </p:clrMapOvr>
+</p:sld>
+</file>
+
+<file path=ppt/slides/slide28.xml><?xml version="1.0" encoding="utf-8"?>
+<p:sld xmlns:a="http://schemas.openxmlformats.org/drawingml/2006/main" xmlns:r="http://schemas.openxmlformats.org/officeDocument/2006/relationships" xmlns:p="http://schemas.openxmlformats.org/presentationml/2006/main">
+  <p:cSld>
+    <p:spTree>
+      <p:nvGrpSpPr>
+        <p:cNvPr id="1" name=""/>
+        <p:cNvGrpSpPr/>
+        <p:nvPr/>
+      </p:nvGrpSpPr>
+      <p:grpSpPr>
+        <a:xfrm>
+          <a:off x="0" y="0"/>
+          <a:ext cx="0" cy="0"/>
+          <a:chOff x="0" y="0"/>
+          <a:chExt cx="0" cy="0"/>
+        </a:xfrm>
+      </p:grpSpPr>
+      <p:sp>
+        <p:nvSpPr>
+          <p:cNvPr id="5" name="제목 4"/>
+          <p:cNvSpPr>
+            <a:spLocks noGrp="1"/>
+          </p:cNvSpPr>
+          <p:nvPr>
+            <p:ph type="title"/>
+          </p:nvPr>
+        </p:nvSpPr>
+        <p:spPr>
+          <a:xfrm>
+            <a:off x="608016" y="551987"/>
+            <a:ext cx="10944225" cy="1140090"/>
+          </a:xfrm>
+        </p:spPr>
+        <p:txBody>
+          <a:bodyPr>
+            <a:normAutofit/>
+          </a:bodyPr>
+          <a:lstStyle/>
+          <a:p>
+            <a:pPr algn="l"/>
+            <a:r>
+              <a:rPr lang="en-US" altLang="ko-KR" sz="4400" dirty="0">
+                <a:solidFill>
+                  <a:schemeClr val="tx1">
+                    <a:lumMod val="75000"/>
+                    <a:lumOff val="25000"/>
+                  </a:schemeClr>
+                </a:solidFill>
+                <a:latin typeface="Noto Sans CJK KR Black" pitchFamily="34" charset="-127"/>
+                <a:ea typeface="Noto Sans CJK KR Black" pitchFamily="34" charset="-127"/>
+              </a:rPr>
+              <a:t>1. </a:t>
+            </a:r>
+            <a:r>
+              <a:rPr lang="ko-KR" altLang="en-US" sz="4400" dirty="0">
+                <a:solidFill>
+                  <a:schemeClr val="tx1">
+                    <a:lumMod val="75000"/>
+                    <a:lumOff val="25000"/>
+                  </a:schemeClr>
+                </a:solidFill>
+                <a:latin typeface="Noto Sans CJK KR Black" pitchFamily="34" charset="-127"/>
+                <a:ea typeface="Noto Sans CJK KR Black" pitchFamily="34" charset="-127"/>
+              </a:rPr>
+              <a:t>기계학습 알고리즘</a:t>
+            </a:r>
+            <a:endParaRPr lang="ko-KR" altLang="en-US" sz="4400" dirty="0">
+              <a:solidFill>
+                <a:schemeClr val="tx1">
+                  <a:lumMod val="75000"/>
+                  <a:lumOff val="25000"/>
+                </a:schemeClr>
+              </a:solidFill>
+            </a:endParaRPr>
+          </a:p>
+        </p:txBody>
+      </p:sp>
+      <p:sp>
+        <p:nvSpPr>
+          <p:cNvPr id="3" name="슬라이드 번호 개체 틀 2"/>
+          <p:cNvSpPr>
+            <a:spLocks noGrp="1"/>
+          </p:cNvSpPr>
+          <p:nvPr>
+            <p:ph type="sldNum" sz="quarter" idx="12"/>
+          </p:nvPr>
+        </p:nvSpPr>
+        <p:spPr/>
+        <p:txBody>
+          <a:bodyPr/>
+          <a:lstStyle/>
+          <a:p>
+            <a:fld id="{6DDAE2C3-1A0B-474A-8CE8-AE55B8D9D4B1}" type="slidenum">
+              <a:rPr lang="ko-KR" altLang="en-US" smtClean="0"/>
+              <a:pPr/>
+              <a:t>28</a:t>
+            </a:fld>
+            <a:endParaRPr lang="ko-KR" altLang="en-US" dirty="0"/>
+          </a:p>
+        </p:txBody>
+      </p:sp>
+      <p:pic>
+        <p:nvPicPr>
+          <p:cNvPr id="2" name="그림 1">
+            <a:extLst>
+              <a:ext uri="{FF2B5EF4-FFF2-40B4-BE49-F238E27FC236}">
+                <a16:creationId xmlns:a16="http://schemas.microsoft.com/office/drawing/2014/main" id="{8C0B53B6-91CD-4674-AD8B-229D8AB36492}"/>
+              </a:ext>
+            </a:extLst>
+          </p:cNvPr>
+          <p:cNvPicPr>
+            <a:picLocks noChangeAspect="1"/>
+          </p:cNvPicPr>
+          <p:nvPr/>
+        </p:nvPicPr>
+        <p:blipFill>
+          <a:blip r:embed="rId2"/>
+          <a:stretch>
+            <a:fillRect/>
+          </a:stretch>
+        </p:blipFill>
+        <p:spPr>
+          <a:xfrm>
+            <a:off x="319485" y="1551075"/>
+            <a:ext cx="7505700" cy="4962525"/>
+          </a:xfrm>
+          <a:prstGeom prst="rect">
+            <a:avLst/>
+          </a:prstGeom>
+        </p:spPr>
+      </p:pic>
+      <p:pic>
+        <p:nvPicPr>
+          <p:cNvPr id="4" name="그림 3">
+            <a:extLst>
+              <a:ext uri="{FF2B5EF4-FFF2-40B4-BE49-F238E27FC236}">
+                <a16:creationId xmlns:a16="http://schemas.microsoft.com/office/drawing/2014/main" id="{6FC8C0FF-56DC-42A2-8B16-0A08674CEB15}"/>
+              </a:ext>
+            </a:extLst>
+          </p:cNvPr>
+          <p:cNvPicPr>
+            <a:picLocks noChangeAspect="1"/>
+          </p:cNvPicPr>
+          <p:nvPr/>
+        </p:nvPicPr>
+        <p:blipFill>
+          <a:blip r:embed="rId3"/>
+          <a:stretch>
+            <a:fillRect/>
+          </a:stretch>
+        </p:blipFill>
+        <p:spPr>
+          <a:xfrm>
+            <a:off x="7742630" y="2717359"/>
+            <a:ext cx="4391025" cy="1809750"/>
+          </a:xfrm>
+          <a:prstGeom prst="rect">
+            <a:avLst/>
+          </a:prstGeom>
+        </p:spPr>
+      </p:pic>
+    </p:spTree>
+    <p:extLst>
+      <p:ext uri="{BB962C8B-B14F-4D97-AF65-F5344CB8AC3E}">
+        <p14:creationId xmlns:p14="http://schemas.microsoft.com/office/powerpoint/2010/main" val="3120240796"/>
+      </p:ext>
+    </p:extLst>
+  </p:cSld>
+  <p:clrMapOvr>
+    <a:masterClrMapping/>
+  </p:clrMapOvr>
+</p:sld>
+</file>
+
+<file path=ppt/slides/slide29.xml><?xml version="1.0" encoding="utf-8"?>
 <p:sld xmlns:a="http://schemas.openxmlformats.org/drawingml/2006/main" xmlns:r="http://schemas.openxmlformats.org/officeDocument/2006/relationships" xmlns:p="http://schemas.openxmlformats.org/presentationml/2006/main">
   <p:cSld>
     <p:spTree>
@@ -6453,16 +7478,6 @@
 <file path=ppt/slides/slide3.xml><?xml version="1.0" encoding="utf-8"?>
 <p:sld xmlns:a="http://schemas.openxmlformats.org/drawingml/2006/main" xmlns:r="http://schemas.openxmlformats.org/officeDocument/2006/relationships" xmlns:p="http://schemas.openxmlformats.org/presentationml/2006/main">
   <p:cSld>
-    <p:bg>
-      <p:bgPr>
-        <a:solidFill>
-          <a:schemeClr val="bg1">
-            <a:lumMod val="65000"/>
-          </a:schemeClr>
-        </a:solidFill>
-        <a:effectLst/>
-      </p:bgPr>
-    </p:bg>
     <p:spTree>
       <p:nvGrpSpPr>
         <p:cNvPr id="1" name=""/>
@@ -6479,7 +7494,7 @@
       </p:grpSpPr>
       <p:sp>
         <p:nvSpPr>
-          <p:cNvPr id="4" name="슬라이드 번호 개체 틀 3"/>
+          <p:cNvPr id="15" name="슬라이드 번호 개체 틀 14"/>
           <p:cNvSpPr>
             <a:spLocks noGrp="1"/>
           </p:cNvSpPr>
@@ -6501,196 +7516,70 @@
           </a:p>
         </p:txBody>
       </p:sp>
-      <p:sp>
-        <p:nvSpPr>
-          <p:cNvPr id="11" name="TextBox 10"/>
-          <p:cNvSpPr txBox="1"/>
+      <p:pic>
+        <p:nvPicPr>
+          <p:cNvPr id="6" name="그림 5">
+            <a:extLst>
+              <a:ext uri="{FF2B5EF4-FFF2-40B4-BE49-F238E27FC236}">
+                <a16:creationId xmlns:a16="http://schemas.microsoft.com/office/drawing/2014/main" id="{5CF4E63F-5081-4A97-BA4E-F8EE26C94771}"/>
+              </a:ext>
+            </a:extLst>
+          </p:cNvPr>
+          <p:cNvPicPr>
+            <a:picLocks noChangeAspect="1"/>
+          </p:cNvPicPr>
           <p:nvPr/>
-        </p:nvSpPr>
-        <p:spPr>
-          <a:xfrm>
-            <a:off x="542135" y="855851"/>
-            <a:ext cx="10650558" cy="2708434"/>
+        </p:nvPicPr>
+        <p:blipFill>
+          <a:blip r:embed="rId2"/>
+          <a:stretch>
+            <a:fillRect/>
+          </a:stretch>
+        </p:blipFill>
+        <p:spPr>
+          <a:xfrm>
+            <a:off x="1759645" y="827981"/>
+            <a:ext cx="3390900" cy="5438775"/>
           </a:xfrm>
           <a:prstGeom prst="rect">
             <a:avLst/>
           </a:prstGeom>
-          <a:solidFill>
-            <a:schemeClr val="bg1">
-              <a:lumMod val="65000"/>
-            </a:schemeClr>
-          </a:solidFill>
-        </p:spPr>
-        <p:txBody>
-          <a:bodyPr wrap="square" lIns="0" tIns="0" rIns="0" bIns="0" rtlCol="0" anchor="t">
-            <a:spAutoFit/>
-          </a:bodyPr>
-          <a:lstStyle/>
-          <a:p>
-            <a:r>
-              <a:rPr lang="en-US" altLang="ko-KR" sz="4400" dirty="0">
-                <a:solidFill>
-                  <a:schemeClr val="bg1"/>
-                </a:solidFill>
-                <a:latin typeface="Noto Sans CJK KR Black" panose="020B0A00000000000000" pitchFamily="34" charset="-127"/>
-                <a:ea typeface="Noto Sans CJK KR Black" panose="020B0A00000000000000" pitchFamily="34" charset="-127"/>
-              </a:rPr>
-              <a:t>Part2: 5</a:t>
-            </a:r>
-            <a:r>
-              <a:rPr lang="ko-KR" altLang="en-US" sz="4400" dirty="0" err="1">
-                <a:solidFill>
-                  <a:schemeClr val="bg1"/>
-                </a:solidFill>
-                <a:latin typeface="Noto Sans CJK KR Black" panose="020B0A00000000000000" pitchFamily="34" charset="-127"/>
-                <a:ea typeface="Noto Sans CJK KR Black" panose="020B0A00000000000000" pitchFamily="34" charset="-127"/>
-              </a:rPr>
-              <a:t>회차</a:t>
-            </a:r>
-            <a:r>
-              <a:rPr lang="ko-KR" altLang="en-US" sz="4400" dirty="0">
-                <a:solidFill>
-                  <a:schemeClr val="bg1"/>
-                </a:solidFill>
-                <a:latin typeface="Noto Sans CJK KR Black" panose="020B0A00000000000000" pitchFamily="34" charset="-127"/>
-                <a:ea typeface="Noto Sans CJK KR Black" panose="020B0A00000000000000" pitchFamily="34" charset="-127"/>
-              </a:rPr>
-              <a:t> 강의의 목적</a:t>
-            </a:r>
-            <a:r>
-              <a:rPr lang="en-US" altLang="ko-KR" sz="4400" dirty="0">
-                <a:solidFill>
-                  <a:schemeClr val="bg1"/>
-                </a:solidFill>
-                <a:latin typeface="Noto Sans CJK KR Black" panose="020B0A00000000000000" pitchFamily="34" charset="-127"/>
-                <a:ea typeface="Noto Sans CJK KR Black" panose="020B0A00000000000000" pitchFamily="34" charset="-127"/>
-              </a:rPr>
-              <a:t>.</a:t>
-            </a:r>
-          </a:p>
-          <a:p>
-            <a:endParaRPr lang="en-US" altLang="ko-KR" sz="4400" dirty="0">
-              <a:solidFill>
-                <a:schemeClr val="bg1"/>
-              </a:solidFill>
-              <a:latin typeface="Noto Sans CJK KR Black" panose="020B0A00000000000000" pitchFamily="34" charset="-127"/>
-              <a:ea typeface="Noto Sans CJK KR Black" panose="020B0A00000000000000" pitchFamily="34" charset="-127"/>
-            </a:endParaRPr>
-          </a:p>
-          <a:p>
-            <a:r>
-              <a:rPr lang="en-US" altLang="ko-KR" sz="4400" dirty="0">
-                <a:solidFill>
-                  <a:schemeClr val="bg1"/>
-                </a:solidFill>
-                <a:latin typeface="Noto Sans CJK KR Black" panose="020B0A00000000000000" pitchFamily="34" charset="-127"/>
-                <a:ea typeface="Noto Sans CJK KR Black" panose="020B0A00000000000000" pitchFamily="34" charset="-127"/>
-              </a:rPr>
-              <a:t>“</a:t>
-            </a:r>
-            <a:r>
-              <a:rPr lang="ko-KR" altLang="en-US" sz="4400" dirty="0">
-                <a:solidFill>
-                  <a:schemeClr val="bg1"/>
-                </a:solidFill>
-                <a:latin typeface="Noto Sans CJK KR Black" panose="020B0A00000000000000" pitchFamily="34" charset="-127"/>
-                <a:ea typeface="Noto Sans CJK KR Black" panose="020B0A00000000000000" pitchFamily="34" charset="-127"/>
-              </a:rPr>
-              <a:t>기계학습 요약과 </a:t>
-            </a:r>
-            <a:r>
-              <a:rPr lang="en-US" altLang="ko-KR" sz="4400" dirty="0">
-                <a:solidFill>
-                  <a:schemeClr val="bg1"/>
-                </a:solidFill>
-                <a:latin typeface="Noto Sans CJK KR Black" panose="020B0A00000000000000" pitchFamily="34" charset="-127"/>
-                <a:ea typeface="Noto Sans CJK KR Black" panose="020B0A00000000000000" pitchFamily="34" charset="-127"/>
-              </a:rPr>
-              <a:t>Agile </a:t>
-            </a:r>
-            <a:r>
-              <a:rPr lang="ko-KR" altLang="en-US" sz="4400" dirty="0">
-                <a:solidFill>
-                  <a:schemeClr val="bg1"/>
-                </a:solidFill>
-                <a:latin typeface="Noto Sans CJK KR Black" panose="020B0A00000000000000" pitchFamily="34" charset="-127"/>
-                <a:ea typeface="Noto Sans CJK KR Black" panose="020B0A00000000000000" pitchFamily="34" charset="-127"/>
-              </a:rPr>
-              <a:t>모델 실습 완성 </a:t>
-            </a:r>
-            <a:endParaRPr lang="en-US" altLang="ko-KR" sz="4400" dirty="0">
-              <a:solidFill>
-                <a:schemeClr val="bg1"/>
-              </a:solidFill>
-              <a:latin typeface="Noto Sans CJK KR Black" panose="020B0A00000000000000" pitchFamily="34" charset="-127"/>
-              <a:ea typeface="Noto Sans CJK KR Black" panose="020B0A00000000000000" pitchFamily="34" charset="-127"/>
-            </a:endParaRPr>
-          </a:p>
-          <a:p>
-            <a:r>
-              <a:rPr lang="ko-KR" altLang="en-US" sz="4400" dirty="0">
-                <a:solidFill>
-                  <a:schemeClr val="bg1"/>
-                </a:solidFill>
-                <a:latin typeface="Noto Sans CJK KR Black" panose="020B0A00000000000000" pitchFamily="34" charset="-127"/>
-                <a:ea typeface="Noto Sans CJK KR Black" panose="020B0A00000000000000" pitchFamily="34" charset="-127"/>
-              </a:rPr>
-              <a:t>및 시계열 알고리즘 준비하기 </a:t>
-            </a:r>
-            <a:r>
-              <a:rPr lang="en-US" altLang="ko-KR" sz="4400" dirty="0">
-                <a:solidFill>
-                  <a:schemeClr val="bg1"/>
-                </a:solidFill>
-                <a:latin typeface="Noto Sans CJK KR Black" panose="020B0A00000000000000" pitchFamily="34" charset="-127"/>
-                <a:ea typeface="Noto Sans CJK KR Black" panose="020B0A00000000000000" pitchFamily="34" charset="-127"/>
-              </a:rPr>
-              <a:t>”</a:t>
-            </a:r>
-          </a:p>
-        </p:txBody>
-      </p:sp>
-      <p:sp>
-        <p:nvSpPr>
-          <p:cNvPr id="12" name="TextBox 11"/>
-          <p:cNvSpPr txBox="1"/>
+        </p:spPr>
+      </p:pic>
+      <p:pic>
+        <p:nvPicPr>
+          <p:cNvPr id="7" name="그림 6">
+            <a:extLst>
+              <a:ext uri="{FF2B5EF4-FFF2-40B4-BE49-F238E27FC236}">
+                <a16:creationId xmlns:a16="http://schemas.microsoft.com/office/drawing/2014/main" id="{4F67391D-844B-4748-8931-73FFC64838A1}"/>
+              </a:ext>
+            </a:extLst>
+          </p:cNvPr>
+          <p:cNvPicPr>
+            <a:picLocks noChangeAspect="1"/>
+          </p:cNvPicPr>
           <p:nvPr/>
-        </p:nvSpPr>
-        <p:spPr>
-          <a:xfrm>
-            <a:off x="4783981" y="611957"/>
-            <a:ext cx="7056784" cy="216726"/>
+        </p:nvPicPr>
+        <p:blipFill>
+          <a:blip r:embed="rId3"/>
+          <a:stretch>
+            <a:fillRect/>
+          </a:stretch>
+        </p:blipFill>
+        <p:spPr>
+          <a:xfrm>
+            <a:off x="5720085" y="1761430"/>
+            <a:ext cx="5667375" cy="3571875"/>
           </a:xfrm>
           <a:prstGeom prst="rect">
             <a:avLst/>
           </a:prstGeom>
-          <a:noFill/>
-        </p:spPr>
-        <p:txBody>
-          <a:bodyPr wrap="square" lIns="0" tIns="0" rIns="0" bIns="0" rtlCol="0" anchor="t">
-            <a:spAutoFit/>
-          </a:bodyPr>
-          <a:lstStyle/>
-          <a:p>
-            <a:pPr>
-              <a:lnSpc>
-                <a:spcPct val="150000"/>
-              </a:lnSpc>
-            </a:pPr>
-            <a:endParaRPr lang="en-US" altLang="ko-KR" sz="1050" dirty="0">
-              <a:solidFill>
-                <a:schemeClr val="bg1"/>
-              </a:solidFill>
-              <a:latin typeface="Noto Sans CJK KR Medium" panose="020B0600000000000000" pitchFamily="34" charset="-127"/>
-              <a:ea typeface="Noto Sans CJK KR Medium" panose="020B0600000000000000" pitchFamily="34" charset="-127"/>
-            </a:endParaRPr>
-          </a:p>
-        </p:txBody>
-      </p:sp>
+        </p:spPr>
+      </p:pic>
     </p:spTree>
     <p:extLst>
       <p:ext uri="{BB962C8B-B14F-4D97-AF65-F5344CB8AC3E}">
-        <p14:creationId xmlns:p14="http://schemas.microsoft.com/office/powerpoint/2010/main" val="3339102357"/>
+        <p14:creationId xmlns:p14="http://schemas.microsoft.com/office/powerpoint/2010/main" val="2877754834"/>
       </p:ext>
     </p:extLst>
   </p:cSld>
@@ -6729,7 +7618,7 @@
         </p:nvSpPr>
         <p:spPr>
           <a:xfrm>
-            <a:off x="608016" y="551987"/>
+            <a:off x="608012" y="539949"/>
             <a:ext cx="10944225" cy="1140090"/>
           </a:xfrm>
         </p:spPr>
@@ -6751,7 +7640,7 @@
                 <a:latin typeface="Noto Sans CJK KR Black" pitchFamily="34" charset="-127"/>
                 <a:ea typeface="Noto Sans CJK KR Black" pitchFamily="34" charset="-127"/>
               </a:rPr>
-              <a:t>1. </a:t>
+              <a:t>4. </a:t>
             </a:r>
             <a:r>
               <a:rPr lang="ko-KR" altLang="en-US" sz="4400" dirty="0">
@@ -6764,7 +7653,7 @@
                 <a:latin typeface="Noto Sans CJK KR Black" pitchFamily="34" charset="-127"/>
                 <a:ea typeface="Noto Sans CJK KR Black" pitchFamily="34" charset="-127"/>
               </a:rPr>
-              <a:t>기계학습 알고리즘</a:t>
+              <a:t>시계열 분석</a:t>
             </a:r>
             <a:endParaRPr lang="ko-KR" altLang="en-US" sz="4400" dirty="0">
               <a:solidFill>
@@ -6803,10 +7692,10 @@
       </p:sp>
       <p:pic>
         <p:nvPicPr>
-          <p:cNvPr id="4" name="그림 3">
+          <p:cNvPr id="2" name="그림 1">
             <a:extLst>
               <a:ext uri="{FF2B5EF4-FFF2-40B4-BE49-F238E27FC236}">
-                <a16:creationId xmlns:a16="http://schemas.microsoft.com/office/drawing/2014/main" id="{09249471-4BC7-4876-95C7-AFB6CCF0382C}"/>
+                <a16:creationId xmlns:a16="http://schemas.microsoft.com/office/drawing/2014/main" id="{763FD5DE-0E65-41B2-A2E1-B6F049DFEB69}"/>
               </a:ext>
             </a:extLst>
           </p:cNvPr>
@@ -6823,8 +7712,8 @@
         </p:blipFill>
         <p:spPr>
           <a:xfrm>
-            <a:off x="1746250" y="1666990"/>
-            <a:ext cx="8667750" cy="5000625"/>
+            <a:off x="2084386" y="1631886"/>
+            <a:ext cx="7991475" cy="5191125"/>
           </a:xfrm>
           <a:prstGeom prst="rect">
             <a:avLst/>
@@ -6834,7 +7723,7 @@
     </p:spTree>
     <p:extLst>
       <p:ext uri="{BB962C8B-B14F-4D97-AF65-F5344CB8AC3E}">
-        <p14:creationId xmlns:p14="http://schemas.microsoft.com/office/powerpoint/2010/main" val="203672146"/>
+        <p14:creationId xmlns:p14="http://schemas.microsoft.com/office/powerpoint/2010/main" val="957076208"/>
       </p:ext>
     </p:extLst>
   </p:cSld>
@@ -6873,13 +7762,13 @@
         </p:nvSpPr>
         <p:spPr>
           <a:xfrm>
-            <a:off x="608016" y="551987"/>
+            <a:off x="608012" y="539949"/>
             <a:ext cx="10944225" cy="1140090"/>
           </a:xfrm>
         </p:spPr>
         <p:txBody>
           <a:bodyPr>
-            <a:normAutofit fontScale="90000"/>
+            <a:normAutofit/>
           </a:bodyPr>
           <a:lstStyle/>
           <a:p>
@@ -6895,7 +7784,7 @@
                 <a:latin typeface="Noto Sans CJK KR Black" pitchFamily="34" charset="-127"/>
                 <a:ea typeface="Noto Sans CJK KR Black" pitchFamily="34" charset="-127"/>
               </a:rPr>
-              <a:t>1. </a:t>
+              <a:t>4. </a:t>
             </a:r>
             <a:r>
               <a:rPr lang="ko-KR" altLang="en-US" sz="4400" dirty="0">
@@ -6908,32 +7797,7 @@
                 <a:latin typeface="Noto Sans CJK KR Black" pitchFamily="34" charset="-127"/>
                 <a:ea typeface="Noto Sans CJK KR Black" pitchFamily="34" charset="-127"/>
               </a:rPr>
-              <a:t>기계학습 </a:t>
-            </a:r>
-            <a:br>
-              <a:rPr lang="en-US" altLang="ko-KR" sz="4400" dirty="0">
-                <a:solidFill>
-                  <a:schemeClr val="tx1">
-                    <a:lumMod val="75000"/>
-                    <a:lumOff val="25000"/>
-                  </a:schemeClr>
-                </a:solidFill>
-                <a:latin typeface="Noto Sans CJK KR Black" pitchFamily="34" charset="-127"/>
-                <a:ea typeface="Noto Sans CJK KR Black" pitchFamily="34" charset="-127"/>
-              </a:rPr>
-            </a:br>
-            <a:r>
-              <a:rPr lang="ko-KR" altLang="en-US" sz="4400" dirty="0">
-                <a:solidFill>
-                  <a:schemeClr val="tx1">
-                    <a:lumMod val="75000"/>
-                    <a:lumOff val="25000"/>
-                  </a:schemeClr>
-                </a:solidFill>
-                <a:latin typeface="Noto Sans CJK KR Black" pitchFamily="34" charset="-127"/>
-                <a:ea typeface="Noto Sans CJK KR Black" pitchFamily="34" charset="-127"/>
-              </a:rPr>
-              <a:t>알고리즘</a:t>
+              <a:t>시계열 분석</a:t>
             </a:r>
             <a:endParaRPr lang="ko-KR" altLang="en-US" sz="4400" dirty="0">
               <a:solidFill>
@@ -6975,7 +7839,7 @@
           <p:cNvPr id="2" name="그림 1">
             <a:extLst>
               <a:ext uri="{FF2B5EF4-FFF2-40B4-BE49-F238E27FC236}">
-                <a16:creationId xmlns:a16="http://schemas.microsoft.com/office/drawing/2014/main" id="{E4D3435D-FD4B-48CE-9553-303962CF0C4E}"/>
+                <a16:creationId xmlns:a16="http://schemas.microsoft.com/office/drawing/2014/main" id="{7FBA5C46-3D2F-46A2-900A-DD48DE4E16B4}"/>
               </a:ext>
             </a:extLst>
           </p:cNvPr>
@@ -6992,8 +7856,8 @@
         </p:blipFill>
         <p:spPr>
           <a:xfrm>
-            <a:off x="4063901" y="484894"/>
-            <a:ext cx="7572375" cy="5895975"/>
+            <a:off x="2560637" y="2696369"/>
+            <a:ext cx="7038975" cy="1447800"/>
           </a:xfrm>
           <a:prstGeom prst="rect">
             <a:avLst/>
@@ -7003,7 +7867,7 @@
     </p:spTree>
     <p:extLst>
       <p:ext uri="{BB962C8B-B14F-4D97-AF65-F5344CB8AC3E}">
-        <p14:creationId xmlns:p14="http://schemas.microsoft.com/office/powerpoint/2010/main" val="2693577044"/>
+        <p14:creationId xmlns:p14="http://schemas.microsoft.com/office/powerpoint/2010/main" val="3246411210"/>
       </p:ext>
     </p:extLst>
   </p:cSld>
@@ -7042,13 +7906,13 @@
         </p:nvSpPr>
         <p:spPr>
           <a:xfrm>
-            <a:off x="608016" y="551987"/>
+            <a:off x="608012" y="539949"/>
             <a:ext cx="10944225" cy="1140090"/>
           </a:xfrm>
         </p:spPr>
         <p:txBody>
           <a:bodyPr>
-            <a:normAutofit fontScale="90000"/>
+            <a:normAutofit/>
           </a:bodyPr>
           <a:lstStyle/>
           <a:p>
@@ -7064,7 +7928,7 @@
                 <a:latin typeface="Noto Sans CJK KR Black" pitchFamily="34" charset="-127"/>
                 <a:ea typeface="Noto Sans CJK KR Black" pitchFamily="34" charset="-127"/>
               </a:rPr>
-              <a:t>1. </a:t>
+              <a:t>4. </a:t>
             </a:r>
             <a:r>
               <a:rPr lang="ko-KR" altLang="en-US" sz="4400" dirty="0">
@@ -7077,32 +7941,7 @@
                 <a:latin typeface="Noto Sans CJK KR Black" pitchFamily="34" charset="-127"/>
                 <a:ea typeface="Noto Sans CJK KR Black" pitchFamily="34" charset="-127"/>
               </a:rPr>
-              <a:t>기계학습 </a:t>
-            </a:r>
-            <a:br>
-              <a:rPr lang="en-US" altLang="ko-KR" sz="4400" dirty="0">
-                <a:solidFill>
-                  <a:schemeClr val="tx1">
-                    <a:lumMod val="75000"/>
-                    <a:lumOff val="25000"/>
-                  </a:schemeClr>
-                </a:solidFill>
-                <a:latin typeface="Noto Sans CJK KR Black" pitchFamily="34" charset="-127"/>
-                <a:ea typeface="Noto Sans CJK KR Black" pitchFamily="34" charset="-127"/>
-              </a:rPr>
-            </a:br>
-            <a:r>
-              <a:rPr lang="ko-KR" altLang="en-US" sz="4400" dirty="0">
-                <a:solidFill>
-                  <a:schemeClr val="tx1">
-                    <a:lumMod val="75000"/>
-                    <a:lumOff val="25000"/>
-                  </a:schemeClr>
-                </a:solidFill>
-                <a:latin typeface="Noto Sans CJK KR Black" pitchFamily="34" charset="-127"/>
-                <a:ea typeface="Noto Sans CJK KR Black" pitchFamily="34" charset="-127"/>
-              </a:rPr>
-              <a:t>알고리즘</a:t>
+              <a:t>시계열 분석</a:t>
             </a:r>
             <a:endParaRPr lang="ko-KR" altLang="en-US" sz="4400" dirty="0">
               <a:solidFill>
@@ -7144,7 +7983,7 @@
           <p:cNvPr id="2" name="그림 1">
             <a:extLst>
               <a:ext uri="{FF2B5EF4-FFF2-40B4-BE49-F238E27FC236}">
-                <a16:creationId xmlns:a16="http://schemas.microsoft.com/office/drawing/2014/main" id="{8EEB68CE-E61E-417C-A750-AFCFFEE46BD2}"/>
+                <a16:creationId xmlns:a16="http://schemas.microsoft.com/office/drawing/2014/main" id="{1D485D62-8083-4629-9C3C-6DDC8DCAB4A2}"/>
               </a:ext>
             </a:extLst>
           </p:cNvPr>
@@ -7161,8 +8000,8 @@
         </p:blipFill>
         <p:spPr>
           <a:xfrm>
-            <a:off x="4135909" y="267494"/>
-            <a:ext cx="6886575" cy="6305550"/>
+            <a:off x="4711973" y="0"/>
+            <a:ext cx="7112511" cy="6840538"/>
           </a:xfrm>
           <a:prstGeom prst="rect">
             <a:avLst/>
@@ -7172,7 +8011,7 @@
     </p:spTree>
     <p:extLst>
       <p:ext uri="{BB962C8B-B14F-4D97-AF65-F5344CB8AC3E}">
-        <p14:creationId xmlns:p14="http://schemas.microsoft.com/office/powerpoint/2010/main" val="936272146"/>
+        <p14:creationId xmlns:p14="http://schemas.microsoft.com/office/powerpoint/2010/main" val="1226727300"/>
       </p:ext>
     </p:extLst>
   </p:cSld>
@@ -7211,13 +8050,13 @@
         </p:nvSpPr>
         <p:spPr>
           <a:xfrm>
-            <a:off x="608016" y="551987"/>
+            <a:off x="608012" y="539949"/>
             <a:ext cx="10944225" cy="1140090"/>
           </a:xfrm>
         </p:spPr>
         <p:txBody>
           <a:bodyPr>
-            <a:normAutofit/>
+            <a:normAutofit fontScale="90000"/>
           </a:bodyPr>
           <a:lstStyle/>
           <a:p>
@@ -7233,7 +8072,7 @@
                 <a:latin typeface="Noto Sans CJK KR Black" pitchFamily="34" charset="-127"/>
                 <a:ea typeface="Noto Sans CJK KR Black" pitchFamily="34" charset="-127"/>
               </a:rPr>
-              <a:t>1. </a:t>
+              <a:t>4. </a:t>
             </a:r>
             <a:r>
               <a:rPr lang="ko-KR" altLang="en-US" sz="4400" dirty="0">
@@ -7246,7 +8085,32 @@
                 <a:latin typeface="Noto Sans CJK KR Black" pitchFamily="34" charset="-127"/>
                 <a:ea typeface="Noto Sans CJK KR Black" pitchFamily="34" charset="-127"/>
               </a:rPr>
-              <a:t>기계학습 알고리즘</a:t>
+              <a:t>시계열 </a:t>
+            </a:r>
+            <a:br>
+              <a:rPr lang="en-US" altLang="ko-KR" sz="4400" dirty="0">
+                <a:solidFill>
+                  <a:schemeClr val="tx1">
+                    <a:lumMod val="75000"/>
+                    <a:lumOff val="25000"/>
+                  </a:schemeClr>
+                </a:solidFill>
+                <a:latin typeface="Noto Sans CJK KR Black" pitchFamily="34" charset="-127"/>
+                <a:ea typeface="Noto Sans CJK KR Black" pitchFamily="34" charset="-127"/>
+              </a:rPr>
+            </a:br>
+            <a:r>
+              <a:rPr lang="ko-KR" altLang="en-US" sz="4400" dirty="0">
+                <a:solidFill>
+                  <a:schemeClr val="tx1">
+                    <a:lumMod val="75000"/>
+                    <a:lumOff val="25000"/>
+                  </a:schemeClr>
+                </a:solidFill>
+                <a:latin typeface="Noto Sans CJK KR Black" pitchFamily="34" charset="-127"/>
+                <a:ea typeface="Noto Sans CJK KR Black" pitchFamily="34" charset="-127"/>
+              </a:rPr>
+              <a:t>분석</a:t>
             </a:r>
             <a:endParaRPr lang="ko-KR" altLang="en-US" sz="4400" dirty="0">
               <a:solidFill>
@@ -7285,10 +8149,10 @@
       </p:sp>
       <p:pic>
         <p:nvPicPr>
-          <p:cNvPr id="4" name="그림 3">
+          <p:cNvPr id="2" name="그림 1">
             <a:extLst>
               <a:ext uri="{FF2B5EF4-FFF2-40B4-BE49-F238E27FC236}">
-                <a16:creationId xmlns:a16="http://schemas.microsoft.com/office/drawing/2014/main" id="{876281D9-6C6F-4F02-976B-8D63DC78C035}"/>
+                <a16:creationId xmlns:a16="http://schemas.microsoft.com/office/drawing/2014/main" id="{BCDAF3F1-D511-4CD9-8F3F-3A49C30AE126}"/>
               </a:ext>
             </a:extLst>
           </p:cNvPr>
@@ -7305,8 +8169,8 @@
         </p:blipFill>
         <p:spPr>
           <a:xfrm>
-            <a:off x="2617787" y="1442070"/>
-            <a:ext cx="6924675" cy="5362575"/>
+            <a:off x="3940175" y="144370"/>
+            <a:ext cx="8220075" cy="6410325"/>
           </a:xfrm>
           <a:prstGeom prst="rect">
             <a:avLst/>
@@ -7316,7 +8180,7 @@
     </p:spTree>
     <p:extLst>
       <p:ext uri="{BB962C8B-B14F-4D97-AF65-F5344CB8AC3E}">
-        <p14:creationId xmlns:p14="http://schemas.microsoft.com/office/powerpoint/2010/main" val="832087844"/>
+        <p14:creationId xmlns:p14="http://schemas.microsoft.com/office/powerpoint/2010/main" val="3061122883"/>
       </p:ext>
     </p:extLst>
   </p:cSld>
@@ -7355,7 +8219,7 @@
         </p:nvSpPr>
         <p:spPr>
           <a:xfrm>
-            <a:off x="608016" y="551987"/>
+            <a:off x="608012" y="539949"/>
             <a:ext cx="10944225" cy="1140090"/>
           </a:xfrm>
         </p:spPr>
@@ -7377,7 +8241,7 @@
                 <a:latin typeface="Noto Sans CJK KR Black" pitchFamily="34" charset="-127"/>
                 <a:ea typeface="Noto Sans CJK KR Black" pitchFamily="34" charset="-127"/>
               </a:rPr>
-              <a:t>1. </a:t>
+              <a:t>4. </a:t>
             </a:r>
             <a:r>
               <a:rPr lang="ko-KR" altLang="en-US" sz="4400" dirty="0">
@@ -7390,7 +8254,7 @@
                 <a:latin typeface="Noto Sans CJK KR Black" pitchFamily="34" charset="-127"/>
                 <a:ea typeface="Noto Sans CJK KR Black" pitchFamily="34" charset="-127"/>
               </a:rPr>
-              <a:t>기계학습 알고리즘</a:t>
+              <a:t>시계열 분석</a:t>
             </a:r>
             <a:endParaRPr lang="ko-KR" altLang="en-US" sz="4400" dirty="0">
               <a:solidFill>
@@ -7432,7 +8296,7 @@
           <p:cNvPr id="2" name="그림 1">
             <a:extLst>
               <a:ext uri="{FF2B5EF4-FFF2-40B4-BE49-F238E27FC236}">
-                <a16:creationId xmlns:a16="http://schemas.microsoft.com/office/drawing/2014/main" id="{8251BBF9-A868-4E1A-9B63-92D10B6B8018}"/>
+                <a16:creationId xmlns:a16="http://schemas.microsoft.com/office/drawing/2014/main" id="{EDB00A33-E6AE-42B4-8F68-3A531ABA67B9}"/>
               </a:ext>
             </a:extLst>
           </p:cNvPr>
@@ -7449,8 +8313,8 @@
         </p:blipFill>
         <p:spPr>
           <a:xfrm>
-            <a:off x="2751137" y="1670014"/>
-            <a:ext cx="6657975" cy="5010150"/>
+            <a:off x="2012949" y="1662329"/>
+            <a:ext cx="8134350" cy="5067300"/>
           </a:xfrm>
           <a:prstGeom prst="rect">
             <a:avLst/>
@@ -7460,7 +8324,7 @@
     </p:spTree>
     <p:extLst>
       <p:ext uri="{BB962C8B-B14F-4D97-AF65-F5344CB8AC3E}">
-        <p14:creationId xmlns:p14="http://schemas.microsoft.com/office/powerpoint/2010/main" val="2183607618"/>
+        <p14:creationId xmlns:p14="http://schemas.microsoft.com/office/powerpoint/2010/main" val="1316906789"/>
       </p:ext>
     </p:extLst>
   </p:cSld>
@@ -7499,7 +8363,7 @@
         </p:nvSpPr>
         <p:spPr>
           <a:xfrm>
-            <a:off x="608016" y="551987"/>
+            <a:off x="608012" y="539949"/>
             <a:ext cx="10944225" cy="1140090"/>
           </a:xfrm>
         </p:spPr>
@@ -7521,7 +8385,7 @@
                 <a:latin typeface="Noto Sans CJK KR Black" pitchFamily="34" charset="-127"/>
                 <a:ea typeface="Noto Sans CJK KR Black" pitchFamily="34" charset="-127"/>
               </a:rPr>
-              <a:t>1. </a:t>
+              <a:t>4. </a:t>
             </a:r>
             <a:r>
               <a:rPr lang="ko-KR" altLang="en-US" sz="4400" dirty="0">
@@ -7534,7 +8398,7 @@
                 <a:latin typeface="Noto Sans CJK KR Black" pitchFamily="34" charset="-127"/>
                 <a:ea typeface="Noto Sans CJK KR Black" pitchFamily="34" charset="-127"/>
               </a:rPr>
-              <a:t>기계학습 알고리즘</a:t>
+              <a:t>시계열 분석</a:t>
             </a:r>
             <a:endParaRPr lang="ko-KR" altLang="en-US" sz="4400" dirty="0">
               <a:solidFill>
@@ -7576,7 +8440,7 @@
           <p:cNvPr id="2" name="그림 1">
             <a:extLst>
               <a:ext uri="{FF2B5EF4-FFF2-40B4-BE49-F238E27FC236}">
-                <a16:creationId xmlns:a16="http://schemas.microsoft.com/office/drawing/2014/main" id="{84E0E80A-1404-4117-9400-9B26A81DFF85}"/>
+                <a16:creationId xmlns:a16="http://schemas.microsoft.com/office/drawing/2014/main" id="{E2885BFB-3005-4C7E-B401-182E6E62D384}"/>
               </a:ext>
             </a:extLst>
           </p:cNvPr>
@@ -7593,8 +8457,8 @@
         </p:blipFill>
         <p:spPr>
           <a:xfrm>
-            <a:off x="2341562" y="1851112"/>
-            <a:ext cx="7477125" cy="4362450"/>
+            <a:off x="2179636" y="1392238"/>
+            <a:ext cx="7800975" cy="5448300"/>
           </a:xfrm>
           <a:prstGeom prst="rect">
             <a:avLst/>
@@ -7604,7 +8468,7 @@
     </p:spTree>
     <p:extLst>
       <p:ext uri="{BB962C8B-B14F-4D97-AF65-F5344CB8AC3E}">
-        <p14:creationId xmlns:p14="http://schemas.microsoft.com/office/powerpoint/2010/main" val="2811243867"/>
+        <p14:creationId xmlns:p14="http://schemas.microsoft.com/office/powerpoint/2010/main" val="1916119711"/>
       </p:ext>
     </p:extLst>
   </p:cSld>
